--- a/就活関係/自己分析/就活（自己分析）.pptx
+++ b/就活関係/自己分析/就活（自己分析）.pptx
@@ -6,9 +6,9 @@
   </p:sldMasterIdLst>
   <p:sldIdLst>
     <p:sldId id="256" r:id="rId2"/>
-    <p:sldId id="257" r:id="rId3"/>
-    <p:sldId id="258" r:id="rId4"/>
-    <p:sldId id="259" r:id="rId5"/>
+    <p:sldId id="304" r:id="rId3"/>
+    <p:sldId id="257" r:id="rId4"/>
+    <p:sldId id="258" r:id="rId5"/>
     <p:sldId id="260" r:id="rId6"/>
     <p:sldId id="261" r:id="rId7"/>
     <p:sldId id="262" r:id="rId8"/>
@@ -33,15 +33,29 @@
     <p:sldId id="266" r:id="rId27"/>
     <p:sldId id="267" r:id="rId28"/>
     <p:sldId id="282" r:id="rId29"/>
-    <p:sldId id="284" r:id="rId30"/>
-    <p:sldId id="285" r:id="rId31"/>
-    <p:sldId id="286" r:id="rId32"/>
-    <p:sldId id="287" r:id="rId33"/>
-    <p:sldId id="288" r:id="rId34"/>
-    <p:sldId id="289" r:id="rId35"/>
-    <p:sldId id="290" r:id="rId36"/>
-    <p:sldId id="291" r:id="rId37"/>
-    <p:sldId id="292" r:id="rId38"/>
+    <p:sldId id="259" r:id="rId30"/>
+    <p:sldId id="284" r:id="rId31"/>
+    <p:sldId id="285" r:id="rId32"/>
+    <p:sldId id="286" r:id="rId33"/>
+    <p:sldId id="287" r:id="rId34"/>
+    <p:sldId id="288" r:id="rId35"/>
+    <p:sldId id="289" r:id="rId36"/>
+    <p:sldId id="290" r:id="rId37"/>
+    <p:sldId id="294" r:id="rId38"/>
+    <p:sldId id="296" r:id="rId39"/>
+    <p:sldId id="295" r:id="rId40"/>
+    <p:sldId id="291" r:id="rId41"/>
+    <p:sldId id="292" r:id="rId42"/>
+    <p:sldId id="293" r:id="rId43"/>
+    <p:sldId id="297" r:id="rId44"/>
+    <p:sldId id="299" r:id="rId45"/>
+    <p:sldId id="300" r:id="rId46"/>
+    <p:sldId id="302" r:id="rId47"/>
+    <p:sldId id="298" r:id="rId48"/>
+    <p:sldId id="301" r:id="rId49"/>
+    <p:sldId id="306" r:id="rId50"/>
+    <p:sldId id="305" r:id="rId51"/>
+    <p:sldId id="303" r:id="rId52"/>
   </p:sldIdLst>
   <p:sldSz cx="12192000" cy="6858000"/>
   <p:notesSz cx="6858000" cy="9144000"/>
@@ -295,7 +309,7 @@
           <a:p>
             <a:fld id="{40EE273E-6175-49D2-B6BC-F46885FD4E7D}" type="datetimeFigureOut">
               <a:rPr kumimoji="1" lang="ja-JP" altLang="en-US" smtClean="0"/>
-              <a:t>2021/12/14</a:t>
+              <a:t>2022/1/13</a:t>
             </a:fld>
             <a:endParaRPr kumimoji="1" lang="ja-JP" altLang="en-US"/>
           </a:p>
@@ -525,7 +539,7 @@
           <a:p>
             <a:fld id="{40EE273E-6175-49D2-B6BC-F46885FD4E7D}" type="datetimeFigureOut">
               <a:rPr kumimoji="1" lang="ja-JP" altLang="en-US" smtClean="0"/>
-              <a:t>2021/12/14</a:t>
+              <a:t>2022/1/13</a:t>
             </a:fld>
             <a:endParaRPr kumimoji="1" lang="ja-JP" altLang="en-US"/>
           </a:p>
@@ -765,7 +779,7 @@
           <a:p>
             <a:fld id="{40EE273E-6175-49D2-B6BC-F46885FD4E7D}" type="datetimeFigureOut">
               <a:rPr kumimoji="1" lang="ja-JP" altLang="en-US" smtClean="0"/>
-              <a:t>2021/12/14</a:t>
+              <a:t>2022/1/13</a:t>
             </a:fld>
             <a:endParaRPr kumimoji="1" lang="ja-JP" altLang="en-US"/>
           </a:p>
@@ -995,7 +1009,7 @@
           <a:p>
             <a:fld id="{40EE273E-6175-49D2-B6BC-F46885FD4E7D}" type="datetimeFigureOut">
               <a:rPr kumimoji="1" lang="ja-JP" altLang="en-US" smtClean="0"/>
-              <a:t>2021/12/14</a:t>
+              <a:t>2022/1/13</a:t>
             </a:fld>
             <a:endParaRPr kumimoji="1" lang="ja-JP" altLang="en-US"/>
           </a:p>
@@ -1270,7 +1284,7 @@
           <a:p>
             <a:fld id="{40EE273E-6175-49D2-B6BC-F46885FD4E7D}" type="datetimeFigureOut">
               <a:rPr kumimoji="1" lang="ja-JP" altLang="en-US" smtClean="0"/>
-              <a:t>2021/12/14</a:t>
+              <a:t>2022/1/13</a:t>
             </a:fld>
             <a:endParaRPr kumimoji="1" lang="ja-JP" altLang="en-US"/>
           </a:p>
@@ -1599,7 +1613,7 @@
           <a:p>
             <a:fld id="{40EE273E-6175-49D2-B6BC-F46885FD4E7D}" type="datetimeFigureOut">
               <a:rPr kumimoji="1" lang="ja-JP" altLang="en-US" smtClean="0"/>
-              <a:t>2021/12/14</a:t>
+              <a:t>2022/1/13</a:t>
             </a:fld>
             <a:endParaRPr kumimoji="1" lang="ja-JP" altLang="en-US"/>
           </a:p>
@@ -2075,7 +2089,7 @@
           <a:p>
             <a:fld id="{40EE273E-6175-49D2-B6BC-F46885FD4E7D}" type="datetimeFigureOut">
               <a:rPr kumimoji="1" lang="ja-JP" altLang="en-US" smtClean="0"/>
-              <a:t>2021/12/14</a:t>
+              <a:t>2022/1/13</a:t>
             </a:fld>
             <a:endParaRPr kumimoji="1" lang="ja-JP" altLang="en-US"/>
           </a:p>
@@ -2216,7 +2230,7 @@
           <a:p>
             <a:fld id="{40EE273E-6175-49D2-B6BC-F46885FD4E7D}" type="datetimeFigureOut">
               <a:rPr kumimoji="1" lang="ja-JP" altLang="en-US" smtClean="0"/>
-              <a:t>2021/12/14</a:t>
+              <a:t>2022/1/13</a:t>
             </a:fld>
             <a:endParaRPr kumimoji="1" lang="ja-JP" altLang="en-US"/>
           </a:p>
@@ -2329,7 +2343,7 @@
           <a:p>
             <a:fld id="{40EE273E-6175-49D2-B6BC-F46885FD4E7D}" type="datetimeFigureOut">
               <a:rPr kumimoji="1" lang="ja-JP" altLang="en-US" smtClean="0"/>
-              <a:t>2021/12/14</a:t>
+              <a:t>2022/1/13</a:t>
             </a:fld>
             <a:endParaRPr kumimoji="1" lang="ja-JP" altLang="en-US"/>
           </a:p>
@@ -2672,7 +2686,7 @@
           <a:p>
             <a:fld id="{40EE273E-6175-49D2-B6BC-F46885FD4E7D}" type="datetimeFigureOut">
               <a:rPr kumimoji="1" lang="ja-JP" altLang="en-US" smtClean="0"/>
-              <a:t>2021/12/14</a:t>
+              <a:t>2022/1/13</a:t>
             </a:fld>
             <a:endParaRPr kumimoji="1" lang="ja-JP" altLang="en-US"/>
           </a:p>
@@ -2960,7 +2974,7 @@
           <a:p>
             <a:fld id="{40EE273E-6175-49D2-B6BC-F46885FD4E7D}" type="datetimeFigureOut">
               <a:rPr kumimoji="1" lang="ja-JP" altLang="en-US" smtClean="0"/>
-              <a:t>2021/12/14</a:t>
+              <a:t>2022/1/13</a:t>
             </a:fld>
             <a:endParaRPr kumimoji="1" lang="ja-JP" altLang="en-US"/>
           </a:p>
@@ -3233,7 +3247,7 @@
           <a:p>
             <a:fld id="{40EE273E-6175-49D2-B6BC-F46885FD4E7D}" type="datetimeFigureOut">
               <a:rPr kumimoji="1" lang="ja-JP" altLang="en-US" smtClean="0"/>
-              <a:t>2021/12/14</a:t>
+              <a:t>2022/1/13</a:t>
             </a:fld>
             <a:endParaRPr kumimoji="1" lang="ja-JP" altLang="en-US"/>
           </a:p>
@@ -5221,7 +5235,7 @@
           <p:cNvPr id="2" name="タイトル 1">
             <a:extLst>
               <a:ext uri="{FF2B5EF4-FFF2-40B4-BE49-F238E27FC236}">
-                <a16:creationId xmlns:a16="http://schemas.microsoft.com/office/drawing/2014/main" id="{BC10CB68-2203-401F-A7D3-727A4CC75E3A}"/>
+                <a16:creationId xmlns:a16="http://schemas.microsoft.com/office/drawing/2014/main" id="{EB87BBE1-241B-443A-B705-D066BD57C68C}"/>
               </a:ext>
             </a:extLst>
           </p:cNvPr>
@@ -5239,7 +5253,7 @@
           <a:p>
             <a:r>
               <a:rPr kumimoji="1" lang="ja-JP" altLang="en-US" dirty="0"/>
-              <a:t>自分のやりたいこと</a:t>
+              <a:t>リフレッシュ方法</a:t>
             </a:r>
           </a:p>
         </p:txBody>
@@ -5249,7 +5263,7 @@
           <p:cNvPr id="3" name="コンテンツ プレースホルダー 2">
             <a:extLst>
               <a:ext uri="{FF2B5EF4-FFF2-40B4-BE49-F238E27FC236}">
-                <a16:creationId xmlns:a16="http://schemas.microsoft.com/office/drawing/2014/main" id="{51D9870F-07BB-4E9B-AF34-989C2FA48726}"/>
+                <a16:creationId xmlns:a16="http://schemas.microsoft.com/office/drawing/2014/main" id="{2E823C3D-635F-4BFE-98D0-2BA1E383061F}"/>
               </a:ext>
             </a:extLst>
           </p:cNvPr>
@@ -5262,119 +5276,20 @@
         </p:nvSpPr>
         <p:spPr/>
         <p:txBody>
-          <a:bodyPr>
-            <a:normAutofit lnSpcReduction="10000"/>
-          </a:bodyPr>
-          <a:lstStyle/>
-          <a:p>
-            <a:r>
-              <a:rPr kumimoji="1" lang="ja-JP" altLang="en-US" b="1" dirty="0"/>
-              <a:t>機械の制御（プログラミングを用いて）</a:t>
-            </a:r>
-            <a:endParaRPr kumimoji="1" lang="en-US" altLang="ja-JP" b="1" dirty="0"/>
-          </a:p>
-          <a:p>
-            <a:pPr marL="0" indent="0">
-              <a:buNone/>
-            </a:pPr>
-            <a:r>
-              <a:rPr lang="ja-JP" altLang="en-US" dirty="0"/>
-              <a:t>　理由：自分のプログラミングでものが動くのが楽しいと感じた</a:t>
-            </a:r>
-            <a:endParaRPr lang="en-US" altLang="ja-JP" dirty="0"/>
-          </a:p>
-          <a:p>
-            <a:pPr marL="0" indent="0">
-              <a:buNone/>
-            </a:pPr>
-            <a:r>
-              <a:rPr kumimoji="1" lang="ja-JP" altLang="en-US" dirty="0"/>
-              <a:t>　　　　エラー解消の達成や自分でカスタマイズできるから。</a:t>
-            </a:r>
-            <a:endParaRPr kumimoji="1" lang="en-US" altLang="ja-JP" dirty="0"/>
-          </a:p>
-          <a:p>
-            <a:pPr marL="0" indent="0">
-              <a:buNone/>
-            </a:pPr>
-            <a:r>
-              <a:rPr lang="ja-JP" altLang="en-US" dirty="0"/>
-              <a:t>　楽しいと感じたきっかけは？</a:t>
-            </a:r>
-            <a:endParaRPr lang="en-US" altLang="ja-JP" dirty="0"/>
-          </a:p>
-          <a:p>
-            <a:pPr marL="0" indent="0">
-              <a:buNone/>
-            </a:pPr>
-            <a:r>
-              <a:rPr lang="ja-JP" altLang="en-US" dirty="0"/>
-              <a:t>　　</a:t>
-            </a:r>
-            <a:r>
-              <a:rPr lang="en-US" altLang="ja-JP" dirty="0"/>
-              <a:t>Ruby on Rails</a:t>
-            </a:r>
-            <a:r>
-              <a:rPr lang="ja-JP" altLang="en-US" dirty="0"/>
-              <a:t>や</a:t>
-            </a:r>
-            <a:r>
-              <a:rPr lang="en-US" altLang="ja-JP" dirty="0"/>
-              <a:t>Simulink</a:t>
-            </a:r>
-            <a:r>
-              <a:rPr lang="ja-JP" altLang="en-US" dirty="0"/>
-              <a:t>のエラー解決の時。</a:t>
-            </a:r>
-            <a:endParaRPr lang="en-US" altLang="ja-JP" dirty="0"/>
-          </a:p>
-          <a:p>
-            <a:pPr marL="0" indent="0">
-              <a:buNone/>
-            </a:pPr>
-            <a:r>
-              <a:rPr lang="ja-JP" altLang="en-US" dirty="0"/>
-              <a:t>　　エラー解決して、人に褒められた時に達成感が得られた。</a:t>
-            </a:r>
-            <a:endParaRPr lang="en-US" altLang="ja-JP" dirty="0"/>
-          </a:p>
-          <a:p>
-            <a:pPr marL="0" indent="0">
-              <a:buNone/>
-            </a:pPr>
-            <a:r>
-              <a:rPr lang="ja-JP" altLang="en-US" dirty="0"/>
-              <a:t>　　</a:t>
-            </a:r>
-            <a:endParaRPr lang="en-US" altLang="ja-JP" dirty="0"/>
-          </a:p>
-          <a:p>
-            <a:pPr marL="0" indent="0">
-              <a:buNone/>
-            </a:pPr>
-            <a:r>
-              <a:rPr kumimoji="1" lang="ja-JP" altLang="en-US" dirty="0"/>
-              <a:t>　具体的な機体とは？</a:t>
-            </a:r>
-            <a:endParaRPr kumimoji="1" lang="en-US" altLang="ja-JP" dirty="0"/>
-          </a:p>
-          <a:p>
-            <a:pPr marL="0" indent="0">
-              <a:buNone/>
-            </a:pPr>
-            <a:r>
-              <a:rPr lang="ja-JP" altLang="en-US" dirty="0"/>
-              <a:t>　　産業ロボット以外、ドローン、飛行機、アイアンマン的な</a:t>
-            </a:r>
-            <a:endParaRPr kumimoji="1" lang="ja-JP" altLang="en-US" dirty="0"/>
+          <a:bodyPr/>
+          <a:lstStyle/>
+          <a:p>
+            <a:r>
+              <a:rPr kumimoji="1" lang="ja-JP" altLang="en-US" dirty="0"/>
+              <a:t>外の空気を吸う。</a:t>
+            </a:r>
           </a:p>
         </p:txBody>
       </p:sp>
     </p:spTree>
     <p:extLst>
       <p:ext uri="{BB962C8B-B14F-4D97-AF65-F5344CB8AC3E}">
-        <p14:creationId xmlns:p14="http://schemas.microsoft.com/office/powerpoint/2010/main" val="1815387646"/>
+        <p14:creationId xmlns:p14="http://schemas.microsoft.com/office/powerpoint/2010/main" val="1162857984"/>
       </p:ext>
     </p:extLst>
   </p:cSld>
@@ -6339,6 +6254,16 @@
             <a:endParaRPr lang="en-US" altLang="ja-JP" dirty="0"/>
           </a:p>
           <a:p>
+            <a:pPr marL="0" indent="0">
+              <a:buNone/>
+            </a:pPr>
+            <a:r>
+              <a:rPr lang="ja-JP" altLang="en-US" dirty="0"/>
+              <a:t>　周りの人が頑張っている時</a:t>
+            </a:r>
+            <a:endParaRPr lang="en-US" altLang="ja-JP" dirty="0"/>
+          </a:p>
+          <a:p>
             <a:r>
               <a:rPr lang="ja-JP" altLang="en-US" b="1" dirty="0"/>
               <a:t>モチベーションが低い時</a:t>
@@ -6846,7 +6771,7 @@
           <p:cNvPr id="2" name="タイトル 1">
             <a:extLst>
               <a:ext uri="{FF2B5EF4-FFF2-40B4-BE49-F238E27FC236}">
-                <a16:creationId xmlns:a16="http://schemas.microsoft.com/office/drawing/2014/main" id="{6F4B72F4-2077-4534-8E74-A866D9383F6E}"/>
+                <a16:creationId xmlns:a16="http://schemas.microsoft.com/office/drawing/2014/main" id="{6554737D-5211-4AF9-8CD2-488566DF751D}"/>
               </a:ext>
             </a:extLst>
           </p:cNvPr>
@@ -6863,18 +6788,9 @@
           <a:lstStyle/>
           <a:p>
             <a:r>
-              <a:rPr lang="ja-JP" altLang="en-US" b="1" dirty="0"/>
-              <a:t>人生の挫折経験（上位</a:t>
-            </a:r>
-            <a:r>
-              <a:rPr lang="en-US" altLang="ja-JP" b="1" dirty="0"/>
-              <a:t>2</a:t>
-            </a:r>
-            <a:r>
-              <a:rPr lang="ja-JP" altLang="en-US" b="1" dirty="0"/>
-              <a:t>個）</a:t>
-            </a:r>
-            <a:endParaRPr kumimoji="1" lang="ja-JP" altLang="en-US" dirty="0"/>
+              <a:rPr kumimoji="1" lang="ja-JP" altLang="en-US" dirty="0"/>
+              <a:t>最近楽しいと感じた時</a:t>
+            </a:r>
           </a:p>
         </p:txBody>
       </p:sp>
@@ -6883,7 +6799,7 @@
           <p:cNvPr id="3" name="コンテンツ プレースホルダー 2">
             <a:extLst>
               <a:ext uri="{FF2B5EF4-FFF2-40B4-BE49-F238E27FC236}">
-                <a16:creationId xmlns:a16="http://schemas.microsoft.com/office/drawing/2014/main" id="{2A32B5EF-B93F-4856-8AC6-418EC053BCD3}"/>
+                <a16:creationId xmlns:a16="http://schemas.microsoft.com/office/drawing/2014/main" id="{4B403CCD-0BD0-4E92-8BEF-D95CF73F809A}"/>
               </a:ext>
             </a:extLst>
           </p:cNvPr>
@@ -6900,74 +6816,57 @@
           <a:lstStyle/>
           <a:p>
             <a:r>
-              <a:rPr lang="ja-JP" altLang="en-US" dirty="0"/>
-              <a:t>高校</a:t>
-            </a:r>
-            <a:endParaRPr lang="en-US" altLang="ja-JP" dirty="0"/>
-          </a:p>
-          <a:p>
-            <a:pPr marL="0" indent="0">
-              <a:buNone/>
-            </a:pPr>
-            <a:r>
-              <a:rPr lang="ja-JP" altLang="en-US" dirty="0"/>
-              <a:t>　部活（バスケ）</a:t>
-            </a:r>
-            <a:endParaRPr lang="en-US" altLang="ja-JP" dirty="0"/>
-          </a:p>
-          <a:p>
-            <a:pPr marL="0" indent="0">
-              <a:buNone/>
-            </a:pPr>
-            <a:r>
-              <a:rPr lang="ja-JP" altLang="en-US" dirty="0"/>
-              <a:t>　内容：高校</a:t>
-            </a:r>
-            <a:r>
-              <a:rPr lang="en-US" altLang="ja-JP" dirty="0"/>
-              <a:t>1</a:t>
-            </a:r>
-            <a:r>
-              <a:rPr lang="ja-JP" altLang="en-US" dirty="0"/>
-              <a:t>年生夏休みチーム練習で先輩や同級生の足を引っ張てしまう問題</a:t>
-            </a:r>
-            <a:endParaRPr lang="en-US" altLang="ja-JP" dirty="0"/>
-          </a:p>
-          <a:p>
-            <a:r>
-              <a:rPr kumimoji="1" lang="ja-JP" altLang="en-US" dirty="0"/>
-              <a:t>大学</a:t>
+              <a:rPr kumimoji="1" lang="en-US" altLang="ja-JP" dirty="0"/>
+              <a:t>Simulink</a:t>
+            </a:r>
+            <a:r>
+              <a:rPr lang="ja-JP" altLang="en-US" dirty="0"/>
+              <a:t>でモーターを回せた時</a:t>
+            </a:r>
+            <a:endParaRPr lang="en-US" altLang="ja-JP" dirty="0"/>
+          </a:p>
+          <a:p>
+            <a:pPr marL="0" indent="0">
+              <a:buNone/>
+            </a:pPr>
+            <a:r>
+              <a:rPr kumimoji="1" lang="ja-JP" altLang="en-US" dirty="0"/>
+              <a:t>　理由：先生に感動を与えられたから、動くという感動</a:t>
             </a:r>
             <a:endParaRPr kumimoji="1" lang="en-US" altLang="ja-JP" dirty="0"/>
           </a:p>
           <a:p>
-            <a:pPr marL="0" indent="0">
-              <a:buNone/>
-            </a:pPr>
-            <a:r>
-              <a:rPr lang="ja-JP" altLang="en-US" dirty="0"/>
-              <a:t>　サークル（軽音：バンドサークル）</a:t>
-            </a:r>
-            <a:endParaRPr lang="en-US" altLang="ja-JP" dirty="0"/>
-          </a:p>
-          <a:p>
-            <a:pPr marL="0" indent="0">
-              <a:buNone/>
-            </a:pPr>
-            <a:r>
-              <a:rPr kumimoji="1" lang="ja-JP" altLang="en-US" dirty="0"/>
-              <a:t>　内容：ギター演奏が下手くそで周りから愚痴を言われる問題</a:t>
-            </a:r>
-            <a:endParaRPr kumimoji="1" lang="en-US" altLang="ja-JP" dirty="0"/>
-          </a:p>
-          <a:p>
-            <a:pPr marL="0" indent="0">
-              <a:buNone/>
-            </a:pPr>
-            <a:r>
-              <a:rPr lang="ja-JP" altLang="en-US" dirty="0"/>
+            <a:r>
+              <a:rPr lang="ja-JP" altLang="en-US" dirty="0"/>
+              <a:t>友達と話せたこと</a:t>
+            </a:r>
+            <a:endParaRPr lang="en-US" altLang="ja-JP" dirty="0"/>
+          </a:p>
+          <a:p>
+            <a:pPr marL="0" indent="0">
+              <a:buNone/>
+            </a:pPr>
+            <a:r>
+              <a:rPr kumimoji="1" lang="ja-JP" altLang="en-US" dirty="0"/>
               <a:t>　</a:t>
             </a:r>
+            <a:r>
+              <a:rPr lang="ja-JP" altLang="en-US" dirty="0"/>
+              <a:t>理由：自分の話を笑ってくれたから。</a:t>
+            </a:r>
+            <a:endParaRPr lang="en-US" altLang="ja-JP" dirty="0"/>
+          </a:p>
+          <a:p>
+            <a:r>
+              <a:rPr lang="ja-JP" altLang="en-US" dirty="0"/>
+              <a:t>人に感謝されたい存在になりたい</a:t>
+            </a:r>
+            <a:endParaRPr lang="en-US" altLang="ja-JP" dirty="0"/>
+          </a:p>
+          <a:p>
+            <a:endParaRPr lang="en-US" altLang="ja-JP" dirty="0"/>
+          </a:p>
+          <a:p>
             <a:endParaRPr kumimoji="1" lang="ja-JP" altLang="en-US" dirty="0"/>
           </a:p>
         </p:txBody>
@@ -6975,7 +6874,7 @@
     </p:spTree>
     <p:extLst>
       <p:ext uri="{BB962C8B-B14F-4D97-AF65-F5344CB8AC3E}">
-        <p14:creationId xmlns:p14="http://schemas.microsoft.com/office/powerpoint/2010/main" val="2223574150"/>
+        <p14:creationId xmlns:p14="http://schemas.microsoft.com/office/powerpoint/2010/main" val="3980435141"/>
       </p:ext>
     </p:extLst>
   </p:cSld>
@@ -7007,7 +6906,7 @@
           <p:cNvPr id="2" name="タイトル 1">
             <a:extLst>
               <a:ext uri="{FF2B5EF4-FFF2-40B4-BE49-F238E27FC236}">
-                <a16:creationId xmlns:a16="http://schemas.microsoft.com/office/drawing/2014/main" id="{2EF85CCC-EA11-4749-8851-5E538C2EE8AC}"/>
+                <a16:creationId xmlns:a16="http://schemas.microsoft.com/office/drawing/2014/main" id="{BC10CB68-2203-401F-A7D3-727A4CC75E3A}"/>
               </a:ext>
             </a:extLst>
           </p:cNvPr>
@@ -7035,7 +6934,7 @@
           <p:cNvPr id="3" name="コンテンツ プレースホルダー 2">
             <a:extLst>
               <a:ext uri="{FF2B5EF4-FFF2-40B4-BE49-F238E27FC236}">
-                <a16:creationId xmlns:a16="http://schemas.microsoft.com/office/drawing/2014/main" id="{BC3D0BFB-1D53-4AF0-A2D6-02B5A560AE2A}"/>
+                <a16:creationId xmlns:a16="http://schemas.microsoft.com/office/drawing/2014/main" id="{51D9870F-07BB-4E9B-AF34-989C2FA48726}"/>
               </a:ext>
             </a:extLst>
           </p:cNvPr>
@@ -7049,13 +6948,33 @@
         <p:spPr/>
         <p:txBody>
           <a:bodyPr>
-            <a:normAutofit fontScale="92500"/>
+            <a:normAutofit lnSpcReduction="10000"/>
           </a:bodyPr>
           <a:lstStyle/>
           <a:p>
             <a:r>
-              <a:rPr kumimoji="1" lang="ja-JP" altLang="en-US" dirty="0"/>
-              <a:t>デジタルアート</a:t>
+              <a:rPr kumimoji="1" lang="ja-JP" altLang="en-US" b="1" dirty="0"/>
+              <a:t>機械の制御（プログラミングを用いて）</a:t>
+            </a:r>
+            <a:endParaRPr kumimoji="1" lang="en-US" altLang="ja-JP" b="1" dirty="0"/>
+          </a:p>
+          <a:p>
+            <a:pPr marL="0" indent="0">
+              <a:buNone/>
+            </a:pPr>
+            <a:r>
+              <a:rPr lang="ja-JP" altLang="en-US" dirty="0"/>
+              <a:t>　理由：自分のプログラミングでものが動くのが楽しいと感じた</a:t>
+            </a:r>
+            <a:endParaRPr lang="en-US" altLang="ja-JP" dirty="0"/>
+          </a:p>
+          <a:p>
+            <a:pPr marL="0" indent="0">
+              <a:buNone/>
+            </a:pPr>
+            <a:r>
+              <a:rPr kumimoji="1" lang="ja-JP" altLang="en-US" dirty="0"/>
+              <a:t>　　　　エラー解消の達成や自分でカスタマイズできるから。</a:t>
             </a:r>
             <a:endParaRPr kumimoji="1" lang="en-US" altLang="ja-JP" dirty="0"/>
           </a:p>
@@ -7065,68 +6984,73 @@
             </a:pPr>
             <a:r>
               <a:rPr lang="ja-JP" altLang="en-US" dirty="0"/>
-              <a:t>　あんなきれいなもの初めて見たから</a:t>
-            </a:r>
-            <a:endParaRPr lang="en-US" altLang="ja-JP" dirty="0"/>
-          </a:p>
-          <a:p>
-            <a:pPr marL="0" indent="0">
-              <a:buNone/>
-            </a:pPr>
-            <a:r>
-              <a:rPr kumimoji="1" lang="ja-JP" altLang="en-US" dirty="0"/>
-              <a:t>　自分もあのような作品を作り、人に感動と勇気を与えたい。</a:t>
+              <a:t>　楽しいと感じたきっかけは？</a:t>
+            </a:r>
+            <a:endParaRPr lang="en-US" altLang="ja-JP" dirty="0"/>
+          </a:p>
+          <a:p>
+            <a:pPr marL="0" indent="0">
+              <a:buNone/>
+            </a:pPr>
+            <a:r>
+              <a:rPr lang="ja-JP" altLang="en-US" dirty="0"/>
+              <a:t>　　</a:t>
+            </a:r>
+            <a:r>
+              <a:rPr lang="en-US" altLang="ja-JP" dirty="0"/>
+              <a:t>Ruby on Rails</a:t>
+            </a:r>
+            <a:r>
+              <a:rPr lang="ja-JP" altLang="en-US" dirty="0"/>
+              <a:t>や</a:t>
+            </a:r>
+            <a:r>
+              <a:rPr lang="en-US" altLang="ja-JP" dirty="0"/>
+              <a:t>Simulink</a:t>
+            </a:r>
+            <a:r>
+              <a:rPr lang="ja-JP" altLang="en-US" dirty="0"/>
+              <a:t>のエラー解決の時。</a:t>
+            </a:r>
+            <a:endParaRPr lang="en-US" altLang="ja-JP" dirty="0"/>
+          </a:p>
+          <a:p>
+            <a:pPr marL="0" indent="0">
+              <a:buNone/>
+            </a:pPr>
+            <a:r>
+              <a:rPr lang="ja-JP" altLang="en-US" dirty="0"/>
+              <a:t>　　エラー解決して、人に褒められた時に達成感が得られた。</a:t>
+            </a:r>
+            <a:endParaRPr lang="en-US" altLang="ja-JP" dirty="0"/>
+          </a:p>
+          <a:p>
+            <a:pPr marL="0" indent="0">
+              <a:buNone/>
+            </a:pPr>
+            <a:r>
+              <a:rPr lang="ja-JP" altLang="en-US" dirty="0"/>
+              <a:t>　　</a:t>
+            </a:r>
+            <a:endParaRPr lang="en-US" altLang="ja-JP" dirty="0"/>
+          </a:p>
+          <a:p>
+            <a:pPr marL="0" indent="0">
+              <a:buNone/>
+            </a:pPr>
+            <a:r>
+              <a:rPr kumimoji="1" lang="ja-JP" altLang="en-US" dirty="0"/>
+              <a:t>　具体的な機体とは？</a:t>
             </a:r>
             <a:endParaRPr kumimoji="1" lang="en-US" altLang="ja-JP" dirty="0"/>
           </a:p>
           <a:p>
-            <a:r>
-              <a:rPr kumimoji="1" lang="ja-JP" altLang="en-US" dirty="0"/>
-              <a:t>デジタルアートのどのような分野に携わりたいか</a:t>
-            </a:r>
-            <a:endParaRPr kumimoji="1" lang="en-US" altLang="ja-JP" dirty="0"/>
-          </a:p>
-          <a:p>
-            <a:pPr marL="0" indent="0">
-              <a:buNone/>
-            </a:pPr>
-            <a:r>
-              <a:rPr lang="ja-JP" altLang="en-US" dirty="0"/>
-              <a:t>　フロントエンド、バックエンド、制御、企画、プログラミング？</a:t>
-            </a:r>
-            <a:endParaRPr lang="en-US" altLang="ja-JP" dirty="0"/>
-          </a:p>
-          <a:p>
-            <a:r>
-              <a:rPr lang="ja-JP" altLang="en-US" dirty="0"/>
-              <a:t>どのような時に自分が楽しいと思えるか？</a:t>
-            </a:r>
-            <a:endParaRPr lang="en-US" altLang="ja-JP" dirty="0"/>
-          </a:p>
-          <a:p>
-            <a:pPr marL="0" indent="0">
-              <a:buNone/>
-            </a:pPr>
-            <a:r>
-              <a:rPr kumimoji="1" lang="ja-JP" altLang="en-US" dirty="0"/>
-              <a:t>　チーム開発、個人開発なのか？</a:t>
-            </a:r>
-            <a:endParaRPr kumimoji="1" lang="en-US" altLang="ja-JP" dirty="0"/>
-          </a:p>
-          <a:p>
-            <a:r>
-              <a:rPr kumimoji="1" lang="ja-JP" altLang="en-US" dirty="0"/>
-              <a:t>どのような人に向けて感動や勇気を与えたいか？</a:t>
-            </a:r>
-            <a:endParaRPr kumimoji="1" lang="en-US" altLang="ja-JP" dirty="0"/>
-          </a:p>
-          <a:p>
-            <a:pPr marL="0" indent="0">
-              <a:buNone/>
-            </a:pPr>
-            <a:r>
-              <a:rPr lang="ja-JP" altLang="en-US" dirty="0"/>
-              <a:t>　未来に不安を持つ若者たち</a:t>
+            <a:pPr marL="0" indent="0">
+              <a:buNone/>
+            </a:pPr>
+            <a:r>
+              <a:rPr lang="ja-JP" altLang="en-US" dirty="0"/>
+              <a:t>　　産業ロボット以外、ドローン、飛行機、アイアンマン的な</a:t>
             </a:r>
             <a:endParaRPr kumimoji="1" lang="ja-JP" altLang="en-US" dirty="0"/>
           </a:p>
@@ -7135,7 +7059,7 @@
     </p:spTree>
     <p:extLst>
       <p:ext uri="{BB962C8B-B14F-4D97-AF65-F5344CB8AC3E}">
-        <p14:creationId xmlns:p14="http://schemas.microsoft.com/office/powerpoint/2010/main" val="1046860850"/>
+        <p14:creationId xmlns:p14="http://schemas.microsoft.com/office/powerpoint/2010/main" val="1815387646"/>
       </p:ext>
     </p:extLst>
   </p:cSld>
@@ -7167,7 +7091,7 @@
           <p:cNvPr id="2" name="タイトル 1">
             <a:extLst>
               <a:ext uri="{FF2B5EF4-FFF2-40B4-BE49-F238E27FC236}">
-                <a16:creationId xmlns:a16="http://schemas.microsoft.com/office/drawing/2014/main" id="{BC653277-8D55-4B96-AE0B-C0FE32539679}"/>
+                <a16:creationId xmlns:a16="http://schemas.microsoft.com/office/drawing/2014/main" id="{6F4B72F4-2077-4534-8E74-A866D9383F6E}"/>
               </a:ext>
             </a:extLst>
           </p:cNvPr>
@@ -7178,19 +7102,22 @@
             <p:ph type="title"/>
           </p:nvPr>
         </p:nvSpPr>
-        <p:spPr>
-          <a:xfrm>
-            <a:off x="838200" y="346075"/>
-            <a:ext cx="10515600" cy="1325563"/>
-          </a:xfrm>
-        </p:spPr>
+        <p:spPr/>
         <p:txBody>
           <a:bodyPr/>
           <a:lstStyle/>
           <a:p>
             <a:r>
               <a:rPr lang="ja-JP" altLang="en-US" b="1" dirty="0"/>
-              <a:t>人生の挫折経験（高校）</a:t>
+              <a:t>人生の挫折経験（上位</a:t>
+            </a:r>
+            <a:r>
+              <a:rPr lang="en-US" altLang="ja-JP" b="1" dirty="0"/>
+              <a:t>2</a:t>
+            </a:r>
+            <a:r>
+              <a:rPr lang="ja-JP" altLang="en-US" b="1" dirty="0"/>
+              <a:t>個）</a:t>
             </a:r>
             <a:endParaRPr kumimoji="1" lang="ja-JP" altLang="en-US" dirty="0"/>
           </a:p>
@@ -7201,7 +7128,7 @@
           <p:cNvPr id="3" name="コンテンツ プレースホルダー 2">
             <a:extLst>
               <a:ext uri="{FF2B5EF4-FFF2-40B4-BE49-F238E27FC236}">
-                <a16:creationId xmlns:a16="http://schemas.microsoft.com/office/drawing/2014/main" id="{16F656A8-DD39-4EAF-B492-2D169DA438D8}"/>
+                <a16:creationId xmlns:a16="http://schemas.microsoft.com/office/drawing/2014/main" id="{2A32B5EF-B93F-4856-8AC6-418EC053BCD3}"/>
               </a:ext>
             </a:extLst>
           </p:cNvPr>
@@ -7214,24 +7141,32 @@
         </p:nvSpPr>
         <p:spPr/>
         <p:txBody>
-          <a:bodyPr>
-            <a:normAutofit lnSpcReduction="10000"/>
-          </a:bodyPr>
-          <a:lstStyle/>
-          <a:p>
-            <a:r>
-              <a:rPr lang="ja-JP" altLang="en-US" dirty="0"/>
-              <a:t>内容：</a:t>
-            </a:r>
-            <a:endParaRPr lang="en-US" altLang="ja-JP" dirty="0"/>
-          </a:p>
-          <a:p>
-            <a:pPr marL="0" indent="0">
-              <a:buNone/>
-            </a:pPr>
-            <a:r>
-              <a:rPr lang="ja-JP" altLang="en-US" dirty="0"/>
-              <a:t>　</a:t>
+          <a:bodyPr/>
+          <a:lstStyle/>
+          <a:p>
+            <a:r>
+              <a:rPr lang="ja-JP" altLang="en-US" dirty="0"/>
+              <a:t>高校</a:t>
+            </a:r>
+            <a:endParaRPr lang="en-US" altLang="ja-JP" dirty="0"/>
+          </a:p>
+          <a:p>
+            <a:pPr marL="0" indent="0">
+              <a:buNone/>
+            </a:pPr>
+            <a:r>
+              <a:rPr lang="ja-JP" altLang="en-US" dirty="0"/>
+              <a:t>　部活（バスケ）</a:t>
+            </a:r>
+            <a:endParaRPr lang="en-US" altLang="ja-JP" dirty="0"/>
+          </a:p>
+          <a:p>
+            <a:pPr marL="0" indent="0">
+              <a:buNone/>
+            </a:pPr>
+            <a:r>
+              <a:rPr lang="ja-JP" altLang="en-US" dirty="0"/>
+              <a:t>　内容：高校</a:t>
             </a:r>
             <a:r>
               <a:rPr lang="en-US" altLang="ja-JP" dirty="0"/>
@@ -7239,14 +7174,14 @@
             </a:r>
             <a:r>
               <a:rPr lang="ja-JP" altLang="en-US" dirty="0"/>
-              <a:t>年の夏休みでのチーム練習中、先輩や同級生の足を引っ張てしまったこと</a:t>
-            </a:r>
-            <a:endParaRPr lang="en-US" altLang="ja-JP" dirty="0"/>
-          </a:p>
-          <a:p>
-            <a:r>
-              <a:rPr kumimoji="1" lang="ja-JP" altLang="en-US" dirty="0"/>
-              <a:t>詳細：</a:t>
+              <a:t>年生夏休みチーム練習で先輩や同級生の足を引っ張てしまう問題</a:t>
+            </a:r>
+            <a:endParaRPr lang="en-US" altLang="ja-JP" dirty="0"/>
+          </a:p>
+          <a:p>
+            <a:r>
+              <a:rPr kumimoji="1" lang="ja-JP" altLang="en-US" dirty="0"/>
+              <a:t>大学</a:t>
             </a:r>
             <a:endParaRPr kumimoji="1" lang="en-US" altLang="ja-JP" dirty="0"/>
           </a:p>
@@ -7256,17 +7191,17 @@
             </a:pPr>
             <a:r>
               <a:rPr lang="ja-JP" altLang="en-US" dirty="0"/>
-              <a:t>　バスケ部に入ったきっかけ　</a:t>
-            </a:r>
-            <a:endParaRPr lang="en-US" altLang="ja-JP" dirty="0"/>
-          </a:p>
-          <a:p>
-            <a:pPr marL="0" indent="0">
-              <a:buNone/>
-            </a:pPr>
-            <a:r>
-              <a:rPr kumimoji="1" lang="ja-JP" altLang="en-US" dirty="0"/>
-              <a:t>　　黒子のバスケにはまり、チームプレイ関連のスポーツをやりたかった（中学生時代の剣道部ではコート内では個人プレイ）</a:t>
+              <a:t>　サークル（軽音：バンドサークル）</a:t>
+            </a:r>
+            <a:endParaRPr lang="en-US" altLang="ja-JP" dirty="0"/>
+          </a:p>
+          <a:p>
+            <a:pPr marL="0" indent="0">
+              <a:buNone/>
+            </a:pPr>
+            <a:r>
+              <a:rPr kumimoji="1" lang="ja-JP" altLang="en-US" dirty="0"/>
+              <a:t>　内容：ギター演奏が下手くそで周りから愚痴を言われる問題</a:t>
             </a:r>
             <a:endParaRPr kumimoji="1" lang="en-US" altLang="ja-JP" dirty="0"/>
           </a:p>
@@ -7276,26 +7211,16 @@
             </a:pPr>
             <a:r>
               <a:rPr lang="ja-JP" altLang="en-US" dirty="0"/>
-              <a:t>　　中学部活での厳しい練習によって、メンタル、体力がかなりついていたので、初心者でもついていけると入部。</a:t>
-            </a:r>
-            <a:endParaRPr kumimoji="1" lang="en-US" altLang="ja-JP" dirty="0"/>
-          </a:p>
-          <a:p>
-            <a:pPr marL="0" indent="0">
-              <a:buNone/>
-            </a:pPr>
-            <a:r>
-              <a:rPr lang="ja-JP" altLang="en-US" dirty="0"/>
               <a:t>　</a:t>
             </a:r>
-            <a:endParaRPr kumimoji="1" lang="en-US" altLang="ja-JP" dirty="0"/>
+            <a:endParaRPr kumimoji="1" lang="ja-JP" altLang="en-US" dirty="0"/>
           </a:p>
         </p:txBody>
       </p:sp>
     </p:spTree>
     <p:extLst>
       <p:ext uri="{BB962C8B-B14F-4D97-AF65-F5344CB8AC3E}">
-        <p14:creationId xmlns:p14="http://schemas.microsoft.com/office/powerpoint/2010/main" val="2955350597"/>
+        <p14:creationId xmlns:p14="http://schemas.microsoft.com/office/powerpoint/2010/main" val="2223574150"/>
       </p:ext>
     </p:extLst>
   </p:cSld>
@@ -7327,7 +7252,7 @@
           <p:cNvPr id="2" name="タイトル 1">
             <a:extLst>
               <a:ext uri="{FF2B5EF4-FFF2-40B4-BE49-F238E27FC236}">
-                <a16:creationId xmlns:a16="http://schemas.microsoft.com/office/drawing/2014/main" id="{201CA9C7-BE26-4562-ADE4-386C61B46E89}"/>
+                <a16:creationId xmlns:a16="http://schemas.microsoft.com/office/drawing/2014/main" id="{BC653277-8D55-4B96-AE0B-C0FE32539679}"/>
               </a:ext>
             </a:extLst>
           </p:cNvPr>
@@ -7338,7 +7263,12 @@
             <p:ph type="title"/>
           </p:nvPr>
         </p:nvSpPr>
-        <p:spPr/>
+        <p:spPr>
+          <a:xfrm>
+            <a:off x="838200" y="346075"/>
+            <a:ext cx="10515600" cy="1325563"/>
+          </a:xfrm>
+        </p:spPr>
         <p:txBody>
           <a:bodyPr/>
           <a:lstStyle/>
@@ -7356,7 +7286,7 @@
           <p:cNvPr id="3" name="コンテンツ プレースホルダー 2">
             <a:extLst>
               <a:ext uri="{FF2B5EF4-FFF2-40B4-BE49-F238E27FC236}">
-                <a16:creationId xmlns:a16="http://schemas.microsoft.com/office/drawing/2014/main" id="{079EDD6F-5795-4CFF-AB9C-46FD254122C5}"/>
+                <a16:creationId xmlns:a16="http://schemas.microsoft.com/office/drawing/2014/main" id="{16F656A8-DD39-4EAF-B492-2D169DA438D8}"/>
               </a:ext>
             </a:extLst>
           </p:cNvPr>
@@ -7370,107 +7300,87 @@
         <p:spPr/>
         <p:txBody>
           <a:bodyPr>
-            <a:normAutofit fontScale="92500" lnSpcReduction="20000"/>
+            <a:normAutofit lnSpcReduction="10000"/>
           </a:bodyPr>
           <a:lstStyle/>
           <a:p>
             <a:r>
-              <a:rPr kumimoji="1" lang="ja-JP" altLang="en-US" b="1" dirty="0"/>
-              <a:t>現実問題</a:t>
-            </a:r>
-            <a:endParaRPr kumimoji="1" lang="en-US" altLang="ja-JP" b="1" dirty="0"/>
-          </a:p>
-          <a:p>
-            <a:pPr marL="0" indent="0">
-              <a:buNone/>
-            </a:pPr>
-            <a:r>
-              <a:rPr lang="ja-JP" altLang="en-US" dirty="0"/>
-              <a:t>　想像よりもはるか</a:t>
+              <a:rPr lang="ja-JP" altLang="en-US" dirty="0"/>
+              <a:t>内容：</a:t>
+            </a:r>
+            <a:endParaRPr lang="en-US" altLang="ja-JP" dirty="0"/>
+          </a:p>
+          <a:p>
+            <a:pPr marL="0" indent="0">
+              <a:buNone/>
+            </a:pPr>
+            <a:r>
+              <a:rPr lang="ja-JP" altLang="en-US" dirty="0"/>
+              <a:t>　</a:t>
             </a:r>
             <a:r>
               <a:rPr lang="en-US" altLang="ja-JP" dirty="0"/>
-              <a:t>2</a:t>
-            </a:r>
-            <a:r>
-              <a:rPr lang="ja-JP" altLang="en-US" dirty="0"/>
-              <a:t>倍練習が厳しい。</a:t>
-            </a:r>
-            <a:endParaRPr lang="en-US" altLang="ja-JP" dirty="0"/>
-          </a:p>
-          <a:p>
-            <a:pPr marL="0" indent="0">
-              <a:buNone/>
-            </a:pPr>
-            <a:r>
-              <a:rPr lang="ja-JP" altLang="en-US" dirty="0"/>
-              <a:t>　剣道の時とは違うつらさがある。</a:t>
-            </a:r>
-            <a:endParaRPr lang="en-US" altLang="ja-JP" dirty="0"/>
-          </a:p>
-          <a:p>
-            <a:pPr marL="0" indent="0">
-              <a:buNone/>
-            </a:pPr>
-            <a:r>
-              <a:rPr lang="ja-JP" altLang="en-US" dirty="0"/>
-              <a:t>　　（一呼吸おく時間なし、永遠に走っている状況。）</a:t>
-            </a:r>
-            <a:endParaRPr lang="en-US" altLang="ja-JP" dirty="0"/>
-          </a:p>
-          <a:p>
-            <a:pPr marL="0" indent="0">
-              <a:buNone/>
-            </a:pPr>
-            <a:r>
-              <a:rPr lang="ja-JP" altLang="en-US" dirty="0"/>
-              <a:t>　チーム練習なため、毎回自分がパスミスをしてしまう。</a:t>
-            </a:r>
-            <a:endParaRPr lang="en-US" altLang="ja-JP" dirty="0"/>
-          </a:p>
-          <a:p>
-            <a:pPr marL="0" indent="0">
-              <a:buNone/>
-            </a:pPr>
-            <a:r>
-              <a:rPr lang="ja-JP" altLang="en-US" dirty="0"/>
-              <a:t>　練習が毎回自分で止まる。</a:t>
-            </a:r>
-            <a:endParaRPr lang="en-US" altLang="ja-JP" dirty="0"/>
-          </a:p>
-          <a:p>
-            <a:pPr marL="0" indent="0">
-              <a:buNone/>
-            </a:pPr>
-            <a:r>
-              <a:rPr lang="ja-JP" altLang="en-US" dirty="0"/>
-              <a:t>　練習終了後、同期とパス練習したり、家帰ったあと体力を鍛えるためにランニングするが一向に向上されない。</a:t>
-            </a:r>
-            <a:endParaRPr lang="en-US" altLang="ja-JP" dirty="0"/>
-          </a:p>
-          <a:p>
-            <a:r>
-              <a:rPr lang="ja-JP" altLang="en-US" b="1" dirty="0"/>
-              <a:t>結果（チームでいらない問題発生、先輩から嫌われる問題、メンタルボロボロ、練習に恐怖症）</a:t>
-            </a:r>
-            <a:endParaRPr lang="en-US" altLang="ja-JP" b="1" dirty="0"/>
-          </a:p>
-          <a:p>
-            <a:pPr marL="0" indent="0">
-              <a:buNone/>
-            </a:pPr>
-            <a:r>
-              <a:rPr lang="ja-JP" altLang="en-US" b="1" dirty="0"/>
+              <a:t>1</a:t>
+            </a:r>
+            <a:r>
+              <a:rPr lang="ja-JP" altLang="en-US" dirty="0"/>
+              <a:t>年の夏休みでのチーム練習中、先輩や同級生の足を引っ張てしまったこと</a:t>
+            </a:r>
+            <a:endParaRPr lang="en-US" altLang="ja-JP" dirty="0"/>
+          </a:p>
+          <a:p>
+            <a:r>
+              <a:rPr kumimoji="1" lang="ja-JP" altLang="en-US" dirty="0"/>
+              <a:t>詳細：</a:t>
+            </a:r>
+            <a:endParaRPr kumimoji="1" lang="en-US" altLang="ja-JP" dirty="0"/>
+          </a:p>
+          <a:p>
+            <a:pPr marL="0" indent="0">
+              <a:buNone/>
+            </a:pPr>
+            <a:r>
+              <a:rPr lang="ja-JP" altLang="en-US" dirty="0"/>
+              <a:t>　バスケ部に入ったきっかけ　</a:t>
+            </a:r>
+            <a:endParaRPr lang="en-US" altLang="ja-JP" dirty="0"/>
+          </a:p>
+          <a:p>
+            <a:pPr marL="0" indent="0">
+              <a:buNone/>
+            </a:pPr>
+            <a:r>
+              <a:rPr kumimoji="1" lang="ja-JP" altLang="en-US" dirty="0"/>
+              <a:t>　　黒子のバスケにはまり、チームプレイ関連のスポーツをやりたかった（中学生時代の剣道部ではコート内では個人プレイ）</a:t>
+            </a:r>
+            <a:endParaRPr kumimoji="1" lang="en-US" altLang="ja-JP" dirty="0"/>
+          </a:p>
+          <a:p>
+            <a:pPr marL="0" indent="0">
+              <a:buNone/>
+            </a:pPr>
+            <a:r>
+              <a:rPr lang="ja-JP" altLang="en-US" dirty="0"/>
+              <a:t>　　中学部活での厳しい練習によって、メンタル、体力がかなりついていたので、初心者でもついていけると入部。</a:t>
+            </a:r>
+            <a:endParaRPr kumimoji="1" lang="en-US" altLang="ja-JP" dirty="0"/>
+          </a:p>
+          <a:p>
+            <a:pPr marL="0" indent="0">
+              <a:buNone/>
+            </a:pPr>
+            <a:r>
+              <a:rPr lang="ja-JP" altLang="en-US" dirty="0"/>
               <a:t>　</a:t>
             </a:r>
-            <a:endParaRPr lang="en-US" altLang="ja-JP" b="1" dirty="0"/>
+            <a:endParaRPr kumimoji="1" lang="en-US" altLang="ja-JP" dirty="0"/>
           </a:p>
         </p:txBody>
       </p:sp>
     </p:spTree>
     <p:extLst>
       <p:ext uri="{BB962C8B-B14F-4D97-AF65-F5344CB8AC3E}">
-        <p14:creationId xmlns:p14="http://schemas.microsoft.com/office/powerpoint/2010/main" val="1704164125"/>
+        <p14:creationId xmlns:p14="http://schemas.microsoft.com/office/powerpoint/2010/main" val="2955350597"/>
       </p:ext>
     </p:extLst>
   </p:cSld>
@@ -7502,7 +7412,7 @@
           <p:cNvPr id="2" name="タイトル 1">
             <a:extLst>
               <a:ext uri="{FF2B5EF4-FFF2-40B4-BE49-F238E27FC236}">
-                <a16:creationId xmlns:a16="http://schemas.microsoft.com/office/drawing/2014/main" id="{405EC22D-09BE-4E4C-B1C6-D6628A012FC9}"/>
+                <a16:creationId xmlns:a16="http://schemas.microsoft.com/office/drawing/2014/main" id="{201CA9C7-BE26-4562-ADE4-386C61B46E89}"/>
               </a:ext>
             </a:extLst>
           </p:cNvPr>
@@ -7531,7 +7441,7 @@
           <p:cNvPr id="3" name="コンテンツ プレースホルダー 2">
             <a:extLst>
               <a:ext uri="{FF2B5EF4-FFF2-40B4-BE49-F238E27FC236}">
-                <a16:creationId xmlns:a16="http://schemas.microsoft.com/office/drawing/2014/main" id="{FE6D7E93-20A3-46DF-B5DD-EA5C30906E9C}"/>
+                <a16:creationId xmlns:a16="http://schemas.microsoft.com/office/drawing/2014/main" id="{079EDD6F-5795-4CFF-AB9C-46FD254122C5}"/>
               </a:ext>
             </a:extLst>
           </p:cNvPr>
@@ -7544,12 +7454,14 @@
         </p:nvSpPr>
         <p:spPr/>
         <p:txBody>
-          <a:bodyPr/>
+          <a:bodyPr>
+            <a:normAutofit fontScale="92500" lnSpcReduction="20000"/>
+          </a:bodyPr>
           <a:lstStyle/>
           <a:p>
             <a:r>
               <a:rPr kumimoji="1" lang="ja-JP" altLang="en-US" b="1" dirty="0"/>
-              <a:t>どう立ち直ったか</a:t>
+              <a:t>現実問題</a:t>
             </a:r>
             <a:endParaRPr kumimoji="1" lang="en-US" altLang="ja-JP" b="1" dirty="0"/>
           </a:p>
@@ -7559,67 +7471,91 @@
             </a:pPr>
             <a:r>
               <a:rPr lang="ja-JP" altLang="en-US" dirty="0"/>
-              <a:t>　練習毎日頑張っていれば、必ず認めてくれると信じていた。</a:t>
-            </a:r>
-            <a:endParaRPr lang="en-US" altLang="ja-JP" dirty="0"/>
-          </a:p>
-          <a:p>
-            <a:pPr marL="0" indent="0">
-              <a:buNone/>
-            </a:pPr>
-            <a:r>
-              <a:rPr kumimoji="1" lang="ja-JP" altLang="en-US" dirty="0"/>
-              <a:t>　あと、チームメイトの同期が初心者でよく練習最後までできるね</a:t>
-            </a:r>
-            <a:r>
-              <a:rPr lang="ja-JP" altLang="en-US" dirty="0"/>
-              <a:t>　（同学年に褒められた時）</a:t>
-            </a:r>
-            <a:endParaRPr lang="en-US" altLang="ja-JP" dirty="0"/>
-          </a:p>
-          <a:p>
-            <a:pPr marL="0" indent="0">
-              <a:buNone/>
-            </a:pPr>
-            <a:r>
-              <a:rPr lang="ja-JP" altLang="en-US" dirty="0"/>
-              <a:t>　明日も頑張ろうなという言葉に救われたことで毎日練習をした。</a:t>
-            </a:r>
-            <a:endParaRPr kumimoji="1" lang="en-US" altLang="ja-JP" dirty="0"/>
-          </a:p>
-          <a:p>
-            <a:r>
-              <a:rPr kumimoji="1" lang="ja-JP" altLang="en-US" b="1" dirty="0"/>
-              <a:t>原因</a:t>
-            </a:r>
-            <a:endParaRPr kumimoji="1" lang="en-US" altLang="ja-JP" b="1" dirty="0"/>
-          </a:p>
-          <a:p>
-            <a:pPr marL="0" indent="0">
-              <a:buNone/>
-            </a:pPr>
-            <a:r>
-              <a:rPr lang="ja-JP" altLang="en-US" dirty="0"/>
-              <a:t>　練習方法（速いパスを受け取ることをやるべきだった、先輩とと練習する必要があった。）</a:t>
-            </a:r>
-            <a:endParaRPr lang="en-US" altLang="ja-JP" dirty="0"/>
-          </a:p>
-          <a:p>
-            <a:pPr marL="0" indent="0">
-              <a:buNone/>
-            </a:pPr>
-            <a:r>
-              <a:rPr lang="ja-JP" altLang="en-US" dirty="0"/>
-              <a:t>　自信がない状態でパスを出していた。（また、パスミスする）</a:t>
-            </a:r>
-            <a:endParaRPr lang="en-US" altLang="ja-JP" dirty="0"/>
+              <a:t>　想像よりもはるか</a:t>
+            </a:r>
+            <a:r>
+              <a:rPr lang="en-US" altLang="ja-JP" dirty="0"/>
+              <a:t>2</a:t>
+            </a:r>
+            <a:r>
+              <a:rPr lang="ja-JP" altLang="en-US" dirty="0"/>
+              <a:t>倍練習が厳しい。</a:t>
+            </a:r>
+            <a:endParaRPr lang="en-US" altLang="ja-JP" dirty="0"/>
+          </a:p>
+          <a:p>
+            <a:pPr marL="0" indent="0">
+              <a:buNone/>
+            </a:pPr>
+            <a:r>
+              <a:rPr lang="ja-JP" altLang="en-US" dirty="0"/>
+              <a:t>　剣道の時とは違うつらさがある。</a:t>
+            </a:r>
+            <a:endParaRPr lang="en-US" altLang="ja-JP" dirty="0"/>
+          </a:p>
+          <a:p>
+            <a:pPr marL="0" indent="0">
+              <a:buNone/>
+            </a:pPr>
+            <a:r>
+              <a:rPr lang="ja-JP" altLang="en-US" dirty="0"/>
+              <a:t>　　（一呼吸おく時間なし、永遠に走っている状況。）</a:t>
+            </a:r>
+            <a:endParaRPr lang="en-US" altLang="ja-JP" dirty="0"/>
+          </a:p>
+          <a:p>
+            <a:pPr marL="0" indent="0">
+              <a:buNone/>
+            </a:pPr>
+            <a:r>
+              <a:rPr lang="ja-JP" altLang="en-US" dirty="0"/>
+              <a:t>　チーム練習なため、毎回自分がパスミスをしてしまう。</a:t>
+            </a:r>
+            <a:endParaRPr lang="en-US" altLang="ja-JP" dirty="0"/>
+          </a:p>
+          <a:p>
+            <a:pPr marL="0" indent="0">
+              <a:buNone/>
+            </a:pPr>
+            <a:r>
+              <a:rPr lang="ja-JP" altLang="en-US" dirty="0"/>
+              <a:t>　練習が毎回自分で止まる。</a:t>
+            </a:r>
+            <a:endParaRPr lang="en-US" altLang="ja-JP" dirty="0"/>
+          </a:p>
+          <a:p>
+            <a:pPr marL="0" indent="0">
+              <a:buNone/>
+            </a:pPr>
+            <a:r>
+              <a:rPr lang="ja-JP" altLang="en-US" dirty="0"/>
+              <a:t>　練習終了後、同期とパス練習したり、家帰ったあと体力を鍛えるためにランニングするが一向に向上されない。</a:t>
+            </a:r>
+            <a:endParaRPr lang="en-US" altLang="ja-JP" dirty="0"/>
+          </a:p>
+          <a:p>
+            <a:r>
+              <a:rPr lang="ja-JP" altLang="en-US" b="1" dirty="0"/>
+              <a:t>結果（チームでいらない問題発生、先輩から嫌われる問題、メンタルボロボロ、練習に恐怖症）</a:t>
+            </a:r>
+            <a:endParaRPr lang="en-US" altLang="ja-JP" b="1" dirty="0"/>
+          </a:p>
+          <a:p>
+            <a:pPr marL="0" indent="0">
+              <a:buNone/>
+            </a:pPr>
+            <a:r>
+              <a:rPr lang="ja-JP" altLang="en-US" b="1" dirty="0"/>
+              <a:t>　</a:t>
+            </a:r>
+            <a:endParaRPr lang="en-US" altLang="ja-JP" b="1" dirty="0"/>
           </a:p>
         </p:txBody>
       </p:sp>
     </p:spTree>
     <p:extLst>
       <p:ext uri="{BB962C8B-B14F-4D97-AF65-F5344CB8AC3E}">
-        <p14:creationId xmlns:p14="http://schemas.microsoft.com/office/powerpoint/2010/main" val="1289192184"/>
+        <p14:creationId xmlns:p14="http://schemas.microsoft.com/office/powerpoint/2010/main" val="1704164125"/>
       </p:ext>
     </p:extLst>
   </p:cSld>
@@ -7651,7 +7587,7 @@
           <p:cNvPr id="2" name="タイトル 1">
             <a:extLst>
               <a:ext uri="{FF2B5EF4-FFF2-40B4-BE49-F238E27FC236}">
-                <a16:creationId xmlns:a16="http://schemas.microsoft.com/office/drawing/2014/main" id="{5C0105C8-F98D-46DB-80B0-24190EF19F62}"/>
+                <a16:creationId xmlns:a16="http://schemas.microsoft.com/office/drawing/2014/main" id="{405EC22D-09BE-4E4C-B1C6-D6628A012FC9}"/>
               </a:ext>
             </a:extLst>
           </p:cNvPr>
@@ -7680,7 +7616,7 @@
           <p:cNvPr id="3" name="コンテンツ プレースホルダー 2">
             <a:extLst>
               <a:ext uri="{FF2B5EF4-FFF2-40B4-BE49-F238E27FC236}">
-                <a16:creationId xmlns:a16="http://schemas.microsoft.com/office/drawing/2014/main" id="{58009610-E49C-4256-9E0B-73779BC3D80C}"/>
+                <a16:creationId xmlns:a16="http://schemas.microsoft.com/office/drawing/2014/main" id="{FE6D7E93-20A3-46DF-B5DD-EA5C30906E9C}"/>
               </a:ext>
             </a:extLst>
           </p:cNvPr>
@@ -7697,47 +7633,78 @@
           <a:lstStyle/>
           <a:p>
             <a:r>
-              <a:rPr kumimoji="1" lang="ja-JP" altLang="en-US" dirty="0"/>
-              <a:t>結果</a:t>
+              <a:rPr kumimoji="1" lang="ja-JP" altLang="en-US" b="1" dirty="0"/>
+              <a:t>どう立ち直ったか</a:t>
+            </a:r>
+            <a:endParaRPr kumimoji="1" lang="en-US" altLang="ja-JP" b="1" dirty="0"/>
+          </a:p>
+          <a:p>
+            <a:pPr marL="0" indent="0">
+              <a:buNone/>
+            </a:pPr>
+            <a:r>
+              <a:rPr lang="ja-JP" altLang="en-US" dirty="0"/>
+              <a:t>　練習毎日頑張っていれば、必ず認めてくれると信じていた。</a:t>
+            </a:r>
+            <a:endParaRPr lang="en-US" altLang="ja-JP" dirty="0"/>
+          </a:p>
+          <a:p>
+            <a:pPr marL="0" indent="0">
+              <a:buNone/>
+            </a:pPr>
+            <a:r>
+              <a:rPr kumimoji="1" lang="ja-JP" altLang="en-US" dirty="0"/>
+              <a:t>　あと、チームメイトの同期が初心者でよく練習最後までできるね</a:t>
+            </a:r>
+            <a:r>
+              <a:rPr lang="ja-JP" altLang="en-US" dirty="0"/>
+              <a:t>　（同学年に褒められた時）</a:t>
+            </a:r>
+            <a:endParaRPr lang="en-US" altLang="ja-JP" dirty="0"/>
+          </a:p>
+          <a:p>
+            <a:pPr marL="0" indent="0">
+              <a:buNone/>
+            </a:pPr>
+            <a:r>
+              <a:rPr lang="ja-JP" altLang="en-US" dirty="0"/>
+              <a:t>　明日も頑張ろうなという言葉に救われたことで毎日練習をした。</a:t>
             </a:r>
             <a:endParaRPr kumimoji="1" lang="en-US" altLang="ja-JP" dirty="0"/>
           </a:p>
           <a:p>
-            <a:pPr marL="0" indent="0">
-              <a:buNone/>
-            </a:pPr>
-            <a:r>
-              <a:rPr lang="ja-JP" altLang="en-US" dirty="0"/>
-              <a:t>　練習の厳しさで何人か練習を抜ける中、自分は最後まで練習を続けることができ、夏休み全ての練習を最後までやりきった。</a:t>
-            </a:r>
-            <a:endParaRPr lang="en-US" altLang="ja-JP" dirty="0"/>
-          </a:p>
-          <a:p>
-            <a:pPr marL="0" indent="0">
-              <a:buNone/>
-            </a:pPr>
-            <a:r>
-              <a:rPr kumimoji="1" lang="ja-JP" altLang="en-US" dirty="0"/>
-              <a:t>　その頑張りを先輩に評価してもらい、嫌われることがなくなった。</a:t>
-            </a:r>
-            <a:endParaRPr kumimoji="1" lang="en-US" altLang="ja-JP" dirty="0"/>
-          </a:p>
-          <a:p>
-            <a:pPr marL="0" indent="0">
-              <a:buNone/>
-            </a:pPr>
-            <a:r>
-              <a:rPr lang="ja-JP" altLang="en-US" dirty="0"/>
-              <a:t>　そこから少しずつ自信につながり、メンタル、スタミナ強化につながった。また、パスミスをする機会が減った。</a:t>
-            </a:r>
-            <a:endParaRPr kumimoji="1" lang="ja-JP" altLang="en-US" dirty="0"/>
+            <a:r>
+              <a:rPr kumimoji="1" lang="ja-JP" altLang="en-US" b="1" dirty="0"/>
+              <a:t>原因</a:t>
+            </a:r>
+            <a:endParaRPr kumimoji="1" lang="en-US" altLang="ja-JP" b="1" dirty="0"/>
+          </a:p>
+          <a:p>
+            <a:pPr marL="0" indent="0">
+              <a:buNone/>
+            </a:pPr>
+            <a:r>
+              <a:rPr lang="ja-JP" altLang="en-US" dirty="0"/>
+              <a:t>　練習方法（速いパスを受け取ることをやるべきだった、先輩とと練習する必要があった。）</a:t>
+            </a:r>
+            <a:endParaRPr lang="en-US" altLang="ja-JP" dirty="0"/>
+          </a:p>
+          <a:p>
+            <a:pPr marL="0" indent="0">
+              <a:buNone/>
+            </a:pPr>
+            <a:r>
+              <a:rPr lang="ja-JP" altLang="en-US" dirty="0"/>
+              <a:t>　自信がない状態でパスを出していた。（また、パスミスする）</a:t>
+            </a:r>
+            <a:endParaRPr lang="en-US" altLang="ja-JP" dirty="0"/>
           </a:p>
         </p:txBody>
       </p:sp>
     </p:spTree>
     <p:extLst>
       <p:ext uri="{BB962C8B-B14F-4D97-AF65-F5344CB8AC3E}">
-        <p14:creationId xmlns:p14="http://schemas.microsoft.com/office/powerpoint/2010/main" val="2544724016"/>
+        <p14:creationId xmlns:p14="http://schemas.microsoft.com/office/powerpoint/2010/main" val="1289192184"/>
       </p:ext>
     </p:extLst>
   </p:cSld>
@@ -7769,7 +7736,7 @@
           <p:cNvPr id="2" name="タイトル 1">
             <a:extLst>
               <a:ext uri="{FF2B5EF4-FFF2-40B4-BE49-F238E27FC236}">
-                <a16:creationId xmlns:a16="http://schemas.microsoft.com/office/drawing/2014/main" id="{2D3E7EE3-6943-49CB-B915-40759D7B119C}"/>
+                <a16:creationId xmlns:a16="http://schemas.microsoft.com/office/drawing/2014/main" id="{5C0105C8-F98D-46DB-80B0-24190EF19F62}"/>
               </a:ext>
             </a:extLst>
           </p:cNvPr>
@@ -7787,7 +7754,7 @@
           <a:p>
             <a:r>
               <a:rPr lang="ja-JP" altLang="en-US" b="1" dirty="0"/>
-              <a:t>人生の挫折経験（大学）</a:t>
+              <a:t>人生の挫折経験（高校）</a:t>
             </a:r>
             <a:endParaRPr kumimoji="1" lang="ja-JP" altLang="en-US" dirty="0"/>
           </a:p>
@@ -7798,7 +7765,7 @@
           <p:cNvPr id="3" name="コンテンツ プレースホルダー 2">
             <a:extLst>
               <a:ext uri="{FF2B5EF4-FFF2-40B4-BE49-F238E27FC236}">
-                <a16:creationId xmlns:a16="http://schemas.microsoft.com/office/drawing/2014/main" id="{1516204E-D9FC-4DF7-8DF5-BAFFE0D19E33}"/>
+                <a16:creationId xmlns:a16="http://schemas.microsoft.com/office/drawing/2014/main" id="{58009610-E49C-4256-9E0B-73779BC3D80C}"/>
               </a:ext>
             </a:extLst>
           </p:cNvPr>
@@ -7811,14 +7778,12 @@
         </p:nvSpPr>
         <p:spPr/>
         <p:txBody>
-          <a:bodyPr>
-            <a:normAutofit lnSpcReduction="10000"/>
-          </a:bodyPr>
-          <a:lstStyle/>
-          <a:p>
-            <a:r>
-              <a:rPr kumimoji="1" lang="ja-JP" altLang="en-US" dirty="0"/>
-              <a:t>内容</a:t>
+          <a:bodyPr/>
+          <a:lstStyle/>
+          <a:p>
+            <a:r>
+              <a:rPr kumimoji="1" lang="ja-JP" altLang="en-US" dirty="0"/>
+              <a:t>結果</a:t>
             </a:r>
             <a:endParaRPr kumimoji="1" lang="en-US" altLang="ja-JP" dirty="0"/>
           </a:p>
@@ -7828,14 +7793,17 @@
             </a:pPr>
             <a:r>
               <a:rPr lang="ja-JP" altLang="en-US" dirty="0"/>
-              <a:t>　バンドサークルで、ギター練習をたくさんしたのに、中々うまくならなかったこと。</a:t>
-            </a:r>
-            <a:endParaRPr lang="en-US" altLang="ja-JP" dirty="0"/>
-          </a:p>
-          <a:p>
-            <a:r>
-              <a:rPr kumimoji="1" lang="ja-JP" altLang="en-US" dirty="0"/>
-              <a:t>原因</a:t>
+              <a:t>　練習の厳しさで何人か練習を抜ける中、自分は最後まで練習を続けることができ、夏休み全ての練習を最後までやりきった。</a:t>
+            </a:r>
+            <a:endParaRPr lang="en-US" altLang="ja-JP" dirty="0"/>
+          </a:p>
+          <a:p>
+            <a:pPr marL="0" indent="0">
+              <a:buNone/>
+            </a:pPr>
+            <a:r>
+              <a:rPr kumimoji="1" lang="ja-JP" altLang="en-US" dirty="0"/>
+              <a:t>　その頑張りを先輩に評価してもらい、嫌われることがなくなった。</a:t>
             </a:r>
             <a:endParaRPr kumimoji="1" lang="en-US" altLang="ja-JP" dirty="0"/>
           </a:p>
@@ -7845,38 +7813,7 @@
             </a:pPr>
             <a:r>
               <a:rPr lang="ja-JP" altLang="en-US" dirty="0"/>
-              <a:t>　独学でやっていたことで、練習方法が間違っていた。</a:t>
-            </a:r>
-            <a:endParaRPr lang="en-US" altLang="ja-JP" dirty="0"/>
-          </a:p>
-          <a:p>
-            <a:pPr marL="0" indent="0">
-              <a:buNone/>
-            </a:pPr>
-            <a:r>
-              <a:rPr kumimoji="1" lang="ja-JP" altLang="en-US" dirty="0"/>
-              <a:t>　</a:t>
-            </a:r>
-            <a:r>
-              <a:rPr lang="ja-JP" altLang="en-US" dirty="0"/>
-              <a:t>先輩や同期に聞かなかったこと。（そんなのもできないのかと、言われるのが怖かったため。）</a:t>
-            </a:r>
-            <a:endParaRPr kumimoji="1" lang="en-US" altLang="ja-JP" dirty="0"/>
-          </a:p>
-          <a:p>
-            <a:r>
-              <a:rPr lang="ja-JP" altLang="en-US" dirty="0"/>
-              <a:t>なぜ続けてこれたのか</a:t>
-            </a:r>
-            <a:endParaRPr lang="en-US" altLang="ja-JP" dirty="0"/>
-          </a:p>
-          <a:p>
-            <a:pPr marL="0" indent="0">
-              <a:buNone/>
-            </a:pPr>
-            <a:r>
-              <a:rPr lang="ja-JP" altLang="en-US" dirty="0"/>
-              <a:t>　あきらめなければ、必ずうまくなるということを信じていたから。　</a:t>
+              <a:t>　そこから少しずつ自信につながり、メンタル、スタミナ強化につながった。また、パスミスをする機会が減った。</a:t>
             </a:r>
             <a:endParaRPr kumimoji="1" lang="ja-JP" altLang="en-US" dirty="0"/>
           </a:p>
@@ -7885,7 +7822,7 @@
     </p:spTree>
     <p:extLst>
       <p:ext uri="{BB962C8B-B14F-4D97-AF65-F5344CB8AC3E}">
-        <p14:creationId xmlns:p14="http://schemas.microsoft.com/office/powerpoint/2010/main" val="84220517"/>
+        <p14:creationId xmlns:p14="http://schemas.microsoft.com/office/powerpoint/2010/main" val="2544724016"/>
       </p:ext>
     </p:extLst>
   </p:cSld>
@@ -7917,7 +7854,7 @@
           <p:cNvPr id="2" name="タイトル 1">
             <a:extLst>
               <a:ext uri="{FF2B5EF4-FFF2-40B4-BE49-F238E27FC236}">
-                <a16:creationId xmlns:a16="http://schemas.microsoft.com/office/drawing/2014/main" id="{C5D2D5C2-8771-4C69-9E25-865D37090552}"/>
+                <a16:creationId xmlns:a16="http://schemas.microsoft.com/office/drawing/2014/main" id="{2D3E7EE3-6943-49CB-B915-40759D7B119C}"/>
               </a:ext>
             </a:extLst>
           </p:cNvPr>
@@ -7934,9 +7871,10 @@
           <a:lstStyle/>
           <a:p>
             <a:r>
-              <a:rPr kumimoji="1" lang="ja-JP" altLang="en-US" dirty="0"/>
-              <a:t>就活の軸について</a:t>
-            </a:r>
+              <a:rPr lang="ja-JP" altLang="en-US" b="1" dirty="0"/>
+              <a:t>人生の挫折経験（大学）</a:t>
+            </a:r>
+            <a:endParaRPr kumimoji="1" lang="ja-JP" altLang="en-US" dirty="0"/>
           </a:p>
         </p:txBody>
       </p:sp>
@@ -7945,7 +7883,7 @@
           <p:cNvPr id="3" name="コンテンツ プレースホルダー 2">
             <a:extLst>
               <a:ext uri="{FF2B5EF4-FFF2-40B4-BE49-F238E27FC236}">
-                <a16:creationId xmlns:a16="http://schemas.microsoft.com/office/drawing/2014/main" id="{3ACDBDCC-31E4-4D9A-AA56-6ECB0A0B6FB0}"/>
+                <a16:creationId xmlns:a16="http://schemas.microsoft.com/office/drawing/2014/main" id="{1516204E-D9FC-4DF7-8DF5-BAFFE0D19E33}"/>
               </a:ext>
             </a:extLst>
           </p:cNvPr>
@@ -7958,31 +7896,81 @@
         </p:nvSpPr>
         <p:spPr/>
         <p:txBody>
-          <a:bodyPr/>
-          <a:lstStyle/>
-          <a:p>
-            <a:r>
-              <a:rPr kumimoji="1" lang="ja-JP" altLang="en-US" dirty="0"/>
-              <a:t>人に褒められる、勇気や希望、感謝される仕事がいいかなと</a:t>
+          <a:bodyPr>
+            <a:normAutofit lnSpcReduction="10000"/>
+          </a:bodyPr>
+          <a:lstStyle/>
+          <a:p>
+            <a:r>
+              <a:rPr kumimoji="1" lang="ja-JP" altLang="en-US" dirty="0"/>
+              <a:t>内容</a:t>
             </a:r>
             <a:endParaRPr kumimoji="1" lang="en-US" altLang="ja-JP" dirty="0"/>
           </a:p>
           <a:p>
-            <a:r>
-              <a:rPr lang="ja-JP" altLang="en-US" dirty="0"/>
-              <a:t>女の子がいる職場がええかも</a:t>
-            </a:r>
-            <a:endParaRPr lang="en-US" altLang="ja-JP" dirty="0"/>
-          </a:p>
-          <a:p>
-            <a:endParaRPr lang="en-US" altLang="ja-JP" dirty="0"/>
+            <a:pPr marL="0" indent="0">
+              <a:buNone/>
+            </a:pPr>
+            <a:r>
+              <a:rPr lang="ja-JP" altLang="en-US" dirty="0"/>
+              <a:t>　バンドサークルで、ギター練習をたくさんしたのに、中々うまくならなかったこと。</a:t>
+            </a:r>
+            <a:endParaRPr lang="en-US" altLang="ja-JP" dirty="0"/>
+          </a:p>
+          <a:p>
+            <a:r>
+              <a:rPr kumimoji="1" lang="ja-JP" altLang="en-US" dirty="0"/>
+              <a:t>原因</a:t>
+            </a:r>
+            <a:endParaRPr kumimoji="1" lang="en-US" altLang="ja-JP" dirty="0"/>
+          </a:p>
+          <a:p>
+            <a:pPr marL="0" indent="0">
+              <a:buNone/>
+            </a:pPr>
+            <a:r>
+              <a:rPr lang="ja-JP" altLang="en-US" dirty="0"/>
+              <a:t>　独学でやっていたことで、練習方法が間違っていた。</a:t>
+            </a:r>
+            <a:endParaRPr lang="en-US" altLang="ja-JP" dirty="0"/>
+          </a:p>
+          <a:p>
+            <a:pPr marL="0" indent="0">
+              <a:buNone/>
+            </a:pPr>
+            <a:r>
+              <a:rPr kumimoji="1" lang="ja-JP" altLang="en-US" dirty="0"/>
+              <a:t>　</a:t>
+            </a:r>
+            <a:r>
+              <a:rPr lang="ja-JP" altLang="en-US" dirty="0"/>
+              <a:t>先輩や同期に聞かなかったこと。（そんなのもできないのかと、言われるのが怖かったため。）</a:t>
+            </a:r>
+            <a:endParaRPr kumimoji="1" lang="en-US" altLang="ja-JP" dirty="0"/>
+          </a:p>
+          <a:p>
+            <a:r>
+              <a:rPr lang="ja-JP" altLang="en-US" dirty="0"/>
+              <a:t>なぜ続けてこれたのか</a:t>
+            </a:r>
+            <a:endParaRPr lang="en-US" altLang="ja-JP" dirty="0"/>
+          </a:p>
+          <a:p>
+            <a:pPr marL="0" indent="0">
+              <a:buNone/>
+            </a:pPr>
+            <a:r>
+              <a:rPr lang="ja-JP" altLang="en-US" dirty="0"/>
+              <a:t>　あきらめなければ、必ずうまくなるということを信じていたから。　</a:t>
+            </a:r>
+            <a:endParaRPr kumimoji="1" lang="ja-JP" altLang="en-US" dirty="0"/>
           </a:p>
         </p:txBody>
       </p:sp>
     </p:spTree>
     <p:extLst>
       <p:ext uri="{BB962C8B-B14F-4D97-AF65-F5344CB8AC3E}">
-        <p14:creationId xmlns:p14="http://schemas.microsoft.com/office/powerpoint/2010/main" val="1971620931"/>
+        <p14:creationId xmlns:p14="http://schemas.microsoft.com/office/powerpoint/2010/main" val="84220517"/>
       </p:ext>
     </p:extLst>
   </p:cSld>
@@ -8014,7 +8002,7 @@
           <p:cNvPr id="2" name="タイトル 1">
             <a:extLst>
               <a:ext uri="{FF2B5EF4-FFF2-40B4-BE49-F238E27FC236}">
-                <a16:creationId xmlns:a16="http://schemas.microsoft.com/office/drawing/2014/main" id="{59E2E3D1-5167-42F9-92B0-47D6A3B5864D}"/>
+                <a16:creationId xmlns:a16="http://schemas.microsoft.com/office/drawing/2014/main" id="{C5D2D5C2-8771-4C69-9E25-865D37090552}"/>
               </a:ext>
             </a:extLst>
           </p:cNvPr>
@@ -8032,7 +8020,7 @@
           <a:p>
             <a:r>
               <a:rPr kumimoji="1" lang="ja-JP" altLang="en-US" dirty="0"/>
-              <a:t>チームラボ・音楽の仕事がやりたいの？</a:t>
+              <a:t>就活の軸について</a:t>
             </a:r>
           </a:p>
         </p:txBody>
@@ -8042,7 +8030,7 @@
           <p:cNvPr id="3" name="コンテンツ プレースホルダー 2">
             <a:extLst>
               <a:ext uri="{FF2B5EF4-FFF2-40B4-BE49-F238E27FC236}">
-                <a16:creationId xmlns:a16="http://schemas.microsoft.com/office/drawing/2014/main" id="{58838223-C710-4127-BC13-9FB1C001121E}"/>
+                <a16:creationId xmlns:a16="http://schemas.microsoft.com/office/drawing/2014/main" id="{3ACDBDCC-31E4-4D9A-AA56-6ECB0A0B6FB0}"/>
               </a:ext>
             </a:extLst>
           </p:cNvPr>
@@ -8055,94 +8043,58 @@
         </p:nvSpPr>
         <p:spPr/>
         <p:txBody>
-          <a:bodyPr>
-            <a:normAutofit fontScale="92500" lnSpcReduction="20000"/>
-          </a:bodyPr>
-          <a:lstStyle/>
-          <a:p>
-            <a:r>
-              <a:rPr kumimoji="1" lang="ja-JP" altLang="en-US" dirty="0"/>
-              <a:t>カッコイイ姿を見てきたから（</a:t>
-            </a:r>
-            <a:r>
-              <a:rPr kumimoji="1" lang="en-US" altLang="ja-JP" dirty="0" err="1"/>
-              <a:t>Uver</a:t>
-            </a:r>
-            <a:r>
-              <a:rPr kumimoji="1" lang="en-US" altLang="ja-JP" dirty="0"/>
-              <a:t> World</a:t>
-            </a:r>
-            <a:r>
-              <a:rPr kumimoji="1" lang="ja-JP" altLang="en-US" dirty="0"/>
-              <a:t>）</a:t>
-            </a:r>
-            <a:endParaRPr kumimoji="1" lang="en-US" altLang="ja-JP" dirty="0"/>
-          </a:p>
-          <a:p>
-            <a:r>
-              <a:rPr kumimoji="1" lang="ja-JP" altLang="en-US" dirty="0"/>
-              <a:t>音楽によって救われた経験がたくさんあるから</a:t>
-            </a:r>
-            <a:endParaRPr kumimoji="1" lang="en-US" altLang="ja-JP" dirty="0"/>
-          </a:p>
-          <a:p>
-            <a:r>
-              <a:rPr lang="ja-JP" altLang="en-US" dirty="0"/>
-              <a:t>自分も音楽を通じて、人々に感動や勇気を与えたい。（他手段あるかも）</a:t>
-            </a:r>
-            <a:endParaRPr lang="en-US" altLang="ja-JP" dirty="0"/>
-          </a:p>
-          <a:p>
-            <a:r>
-              <a:rPr lang="ja-JP" altLang="en-US" dirty="0"/>
-              <a:t>人に感謝されたい、勇気や希望を与えたい</a:t>
-            </a:r>
-            <a:endParaRPr lang="en-US" altLang="ja-JP" dirty="0"/>
-          </a:p>
-          <a:p>
+          <a:bodyPr/>
+          <a:lstStyle/>
+          <a:p>
+            <a:r>
+              <a:rPr kumimoji="1" lang="ja-JP" altLang="en-US" b="1" dirty="0"/>
+              <a:t>人に褒められる、勇気や希望、感謝される仕事がいいかなと</a:t>
+            </a:r>
+            <a:endParaRPr kumimoji="1" lang="en-US" altLang="ja-JP" b="1" dirty="0"/>
+          </a:p>
+          <a:p>
+            <a:pPr marL="0" indent="0">
+              <a:buNone/>
+            </a:pPr>
             <a:r>
               <a:rPr lang="ja-JP" altLang="en-US" b="1" dirty="0"/>
-              <a:t>じゃあそのことを叶えることができる職種は何だ？</a:t>
+              <a:t>　理由は、四六時中が関係</a:t>
+            </a:r>
+            <a:endParaRPr kumimoji="1" lang="en-US" altLang="ja-JP" b="1" dirty="0"/>
+          </a:p>
+          <a:p>
+            <a:r>
+              <a:rPr lang="ja-JP" altLang="en-US" b="1" dirty="0"/>
+              <a:t>自分のやりたいこと・感謝されるような会社</a:t>
+            </a:r>
+            <a:endParaRPr kumimoji="1" lang="en-US" altLang="ja-JP" b="1" dirty="0"/>
+          </a:p>
+          <a:p>
+            <a:r>
+              <a:rPr lang="ja-JP" altLang="en-US" b="1" dirty="0"/>
+              <a:t>女の子がいる職場がええかも</a:t>
             </a:r>
             <a:endParaRPr lang="en-US" altLang="ja-JP" b="1" dirty="0"/>
           </a:p>
           <a:p>
-            <a:r>
-              <a:rPr lang="ja-JP" altLang="en-US" b="1" dirty="0"/>
-              <a:t>具体的にどのようなことをした時に感謝されたい？</a:t>
-            </a:r>
-            <a:endParaRPr lang="en-US" altLang="ja-JP" b="1" dirty="0"/>
-          </a:p>
-          <a:p>
-            <a:r>
-              <a:rPr lang="ja-JP" altLang="en-US" b="1" dirty="0"/>
-              <a:t>自分が直接やったことに関して？それとも間接的に？</a:t>
-            </a:r>
-            <a:endParaRPr lang="en-US" altLang="ja-JP" b="1" dirty="0"/>
-          </a:p>
-          <a:p>
-            <a:r>
-              <a:rPr lang="ja-JP" altLang="en-US" b="1" dirty="0"/>
-              <a:t>直接的な場合、アンチがいても耐えられる？</a:t>
-            </a:r>
-            <a:endParaRPr lang="en-US" altLang="ja-JP" b="1" dirty="0"/>
-          </a:p>
-          <a:p>
-            <a:r>
-              <a:rPr lang="ja-JP" altLang="en-US" b="1" dirty="0"/>
-              <a:t>自分の性格的にすごいと思われるような職種につきたいと思わないのか？</a:t>
-            </a:r>
-            <a:endParaRPr lang="en-US" altLang="ja-JP" b="1" dirty="0"/>
-          </a:p>
-          <a:p>
-            <a:endParaRPr kumimoji="1" lang="ja-JP" altLang="en-US" dirty="0"/>
+            <a:pPr marL="0" indent="0">
+              <a:buNone/>
+            </a:pPr>
+            <a:r>
+              <a:rPr lang="ja-JP" altLang="en-US" dirty="0"/>
+              <a:t>　理由：憧れ、自分のモチベーションが上がる。うれしい。</a:t>
+            </a:r>
+            <a:endParaRPr lang="en-US" altLang="ja-JP" dirty="0"/>
+          </a:p>
+          <a:p>
+            <a:endParaRPr lang="en-US" altLang="ja-JP" dirty="0"/>
           </a:p>
         </p:txBody>
       </p:sp>
     </p:spTree>
     <p:extLst>
       <p:ext uri="{BB962C8B-B14F-4D97-AF65-F5344CB8AC3E}">
-        <p14:creationId xmlns:p14="http://schemas.microsoft.com/office/powerpoint/2010/main" val="3196346463"/>
+        <p14:creationId xmlns:p14="http://schemas.microsoft.com/office/powerpoint/2010/main" val="1971620931"/>
       </p:ext>
     </p:extLst>
   </p:cSld>
@@ -8174,7 +8126,7 @@
           <p:cNvPr id="2" name="タイトル 1">
             <a:extLst>
               <a:ext uri="{FF2B5EF4-FFF2-40B4-BE49-F238E27FC236}">
-                <a16:creationId xmlns:a16="http://schemas.microsoft.com/office/drawing/2014/main" id="{B94543A7-D60C-482F-9EE0-986CF1DB4A9B}"/>
+                <a16:creationId xmlns:a16="http://schemas.microsoft.com/office/drawing/2014/main" id="{A3D3FAD6-624C-4768-8AEB-0B8B9D2E8236}"/>
               </a:ext>
             </a:extLst>
           </p:cNvPr>
@@ -8193,8 +8145,8 @@
           <a:lstStyle/>
           <a:p>
             <a:r>
-              <a:rPr lang="ja-JP" altLang="en-US" dirty="0"/>
-              <a:t>人に感謝されたい、褒められたい、勇気や希望を与えたい</a:t>
+              <a:rPr kumimoji="1" lang="ja-JP" altLang="en-US" b="1" dirty="0"/>
+              <a:t>人に褒められる、勇気や希望、感謝される仕事がいいかなと</a:t>
             </a:r>
             <a:endParaRPr kumimoji="1" lang="ja-JP" altLang="en-US" dirty="0"/>
           </a:p>
@@ -8205,7 +8157,7 @@
           <p:cNvPr id="3" name="コンテンツ プレースホルダー 2">
             <a:extLst>
               <a:ext uri="{FF2B5EF4-FFF2-40B4-BE49-F238E27FC236}">
-                <a16:creationId xmlns:a16="http://schemas.microsoft.com/office/drawing/2014/main" id="{7BD328D4-90A0-49FD-806B-44E34088AC97}"/>
+                <a16:creationId xmlns:a16="http://schemas.microsoft.com/office/drawing/2014/main" id="{B9EC16DD-0A86-414B-953C-2EDFD8207C55}"/>
               </a:ext>
             </a:extLst>
           </p:cNvPr>
@@ -8218,14 +8170,12 @@
         </p:nvSpPr>
         <p:spPr/>
         <p:txBody>
-          <a:bodyPr>
-            <a:normAutofit fontScale="92500" lnSpcReduction="20000"/>
-          </a:bodyPr>
+          <a:bodyPr/>
           <a:lstStyle/>
           <a:p>
             <a:r>
               <a:rPr lang="ja-JP" altLang="en-US" b="1" dirty="0"/>
-              <a:t>じゃあそのことを叶えることができる職種は何だ？</a:t>
+              <a:t>理由：四六時中でのバイトに関して</a:t>
             </a:r>
             <a:endParaRPr lang="en-US" altLang="ja-JP" b="1" dirty="0"/>
           </a:p>
@@ -8235,7 +8185,23 @@
             </a:pPr>
             <a:r>
               <a:rPr lang="ja-JP" altLang="en-US" b="1" dirty="0"/>
-              <a:t>良く感謝される仕事を探す</a:t>
+              <a:t>　時給</a:t>
+            </a:r>
+            <a:r>
+              <a:rPr lang="en-US" altLang="ja-JP" b="1" dirty="0"/>
+              <a:t>930</a:t>
+            </a:r>
+            <a:r>
+              <a:rPr lang="ja-JP" altLang="en-US" b="1" dirty="0"/>
+              <a:t>円と安く、給料が安いと思いながらも</a:t>
+            </a:r>
+            <a:r>
+              <a:rPr lang="en-US" altLang="ja-JP" b="1" dirty="0"/>
+              <a:t>4</a:t>
+            </a:r>
+            <a:r>
+              <a:rPr lang="ja-JP" altLang="en-US" b="1" dirty="0"/>
+              <a:t>年くらい続けた。</a:t>
             </a:r>
             <a:endParaRPr lang="en-US" altLang="ja-JP" b="1" dirty="0"/>
           </a:p>
@@ -8245,7 +8211,7 @@
             </a:pPr>
             <a:r>
               <a:rPr lang="ja-JP" altLang="en-US" b="1" dirty="0"/>
-              <a:t>　今までの経験</a:t>
+              <a:t>　続けてこれた理由が、居心地が良かった。人が良かった。</a:t>
             </a:r>
             <a:endParaRPr lang="en-US" altLang="ja-JP" b="1" dirty="0"/>
           </a:p>
@@ -8255,7 +8221,7 @@
             </a:pPr>
             <a:r>
               <a:rPr lang="ja-JP" altLang="en-US" b="1" dirty="0"/>
-              <a:t>　　プログラミングを教える先生（接客関係：対人関係）</a:t>
+              <a:t>　教えることなどがきっかけで、感謝されることがうれしかった。</a:t>
             </a:r>
             <a:endParaRPr lang="en-US" altLang="ja-JP" b="1" dirty="0"/>
           </a:p>
@@ -8265,7 +8231,7 @@
             </a:pPr>
             <a:r>
               <a:rPr lang="ja-JP" altLang="en-US" b="1" dirty="0"/>
-              <a:t>　　感謝されることが多い場面かを面接で聞く</a:t>
+              <a:t>　仕事に慣れていたことが理由なのでは？</a:t>
             </a:r>
             <a:endParaRPr lang="en-US" altLang="ja-JP" b="1" dirty="0"/>
           </a:p>
@@ -8275,7 +8241,15 @@
             </a:pPr>
             <a:r>
               <a:rPr lang="ja-JP" altLang="en-US" b="1" dirty="0"/>
-              <a:t>褒められそうな仕事</a:t>
+              <a:t>　確かに考えられる </a:t>
+            </a:r>
+            <a:r>
+              <a:rPr lang="en-US" altLang="ja-JP" b="1" dirty="0"/>
+              <a:t>=&gt; </a:t>
+            </a:r>
+            <a:r>
+              <a:rPr lang="ja-JP" altLang="en-US" b="1" dirty="0"/>
+              <a:t>しかし、人が良くなかったらやめていた。</a:t>
             </a:r>
             <a:endParaRPr lang="en-US" altLang="ja-JP" b="1" dirty="0"/>
           </a:p>
@@ -8285,37 +8259,7 @@
             </a:pPr>
             <a:r>
               <a:rPr lang="ja-JP" altLang="en-US" b="1" dirty="0"/>
-              <a:t>　今までの経験</a:t>
-            </a:r>
-            <a:endParaRPr lang="en-US" altLang="ja-JP" b="1" dirty="0"/>
-          </a:p>
-          <a:p>
-            <a:pPr marL="0" indent="0">
-              <a:buNone/>
-            </a:pPr>
-            <a:r>
-              <a:rPr lang="ja-JP" altLang="en-US" b="1" dirty="0"/>
-              <a:t>　　プログラミングを教える</a:t>
-            </a:r>
-            <a:endParaRPr lang="en-US" altLang="ja-JP" b="1" dirty="0"/>
-          </a:p>
-          <a:p>
-            <a:pPr marL="0" indent="0">
-              <a:buNone/>
-            </a:pPr>
-            <a:r>
-              <a:rPr lang="ja-JP" altLang="en-US" b="1" dirty="0"/>
-              <a:t>　　　プログラミングを教えることがすごいことだから</a:t>
-            </a:r>
-            <a:endParaRPr lang="en-US" altLang="ja-JP" b="1" dirty="0"/>
-          </a:p>
-          <a:p>
-            <a:pPr marL="0" indent="0">
-              <a:buNone/>
-            </a:pPr>
-            <a:r>
-              <a:rPr lang="ja-JP" altLang="en-US" b="1"/>
-              <a:t>　最先事業、</a:t>
+              <a:t>　</a:t>
             </a:r>
             <a:endParaRPr lang="en-US" altLang="ja-JP" b="1" dirty="0"/>
           </a:p>
@@ -8324,7 +8268,253 @@
     </p:spTree>
     <p:extLst>
       <p:ext uri="{BB962C8B-B14F-4D97-AF65-F5344CB8AC3E}">
-        <p14:creationId xmlns:p14="http://schemas.microsoft.com/office/powerpoint/2010/main" val="1673456990"/>
+        <p14:creationId xmlns:p14="http://schemas.microsoft.com/office/powerpoint/2010/main" val="1091396875"/>
+      </p:ext>
+    </p:extLst>
+  </p:cSld>
+  <p:clrMapOvr>
+    <a:masterClrMapping/>
+  </p:clrMapOvr>
+</p:sld>
+</file>
+
+<file path=ppt/slides/slide38.xml><?xml version="1.0" encoding="utf-8"?>
+<p:sld xmlns:a="http://schemas.openxmlformats.org/drawingml/2006/main" xmlns:r="http://schemas.openxmlformats.org/officeDocument/2006/relationships" xmlns:p="http://schemas.openxmlformats.org/presentationml/2006/main">
+  <p:cSld>
+    <p:spTree>
+      <p:nvGrpSpPr>
+        <p:cNvPr id="1" name=""/>
+        <p:cNvGrpSpPr/>
+        <p:nvPr/>
+      </p:nvGrpSpPr>
+      <p:grpSpPr>
+        <a:xfrm>
+          <a:off x="0" y="0"/>
+          <a:ext cx="0" cy="0"/>
+          <a:chOff x="0" y="0"/>
+          <a:chExt cx="0" cy="0"/>
+        </a:xfrm>
+      </p:grpSpPr>
+      <p:sp>
+        <p:nvSpPr>
+          <p:cNvPr id="2" name="タイトル 1">
+            <a:extLst>
+              <a:ext uri="{FF2B5EF4-FFF2-40B4-BE49-F238E27FC236}">
+                <a16:creationId xmlns:a16="http://schemas.microsoft.com/office/drawing/2014/main" id="{66B6EE59-27CC-4565-B27F-92D718F488FF}"/>
+              </a:ext>
+            </a:extLst>
+          </p:cNvPr>
+          <p:cNvSpPr>
+            <a:spLocks noGrp="1"/>
+          </p:cNvSpPr>
+          <p:nvPr>
+            <p:ph type="title"/>
+          </p:nvPr>
+        </p:nvSpPr>
+        <p:spPr/>
+        <p:txBody>
+          <a:bodyPr/>
+          <a:lstStyle/>
+          <a:p>
+            <a:r>
+              <a:rPr kumimoji="1" lang="ja-JP" altLang="en-US" dirty="0"/>
+              <a:t>どのようにして雰囲気のいい職場探す？</a:t>
+            </a:r>
+          </a:p>
+        </p:txBody>
+      </p:sp>
+      <p:sp>
+        <p:nvSpPr>
+          <p:cNvPr id="3" name="コンテンツ プレースホルダー 2">
+            <a:extLst>
+              <a:ext uri="{FF2B5EF4-FFF2-40B4-BE49-F238E27FC236}">
+                <a16:creationId xmlns:a16="http://schemas.microsoft.com/office/drawing/2014/main" id="{8F7F6F84-3FD6-4D50-8C7E-66D4E3D37AC1}"/>
+              </a:ext>
+            </a:extLst>
+          </p:cNvPr>
+          <p:cNvSpPr>
+            <a:spLocks noGrp="1"/>
+          </p:cNvSpPr>
+          <p:nvPr>
+            <p:ph idx="1"/>
+          </p:nvPr>
+        </p:nvSpPr>
+        <p:spPr/>
+        <p:txBody>
+          <a:bodyPr/>
+          <a:lstStyle/>
+          <a:p>
+            <a:r>
+              <a:rPr lang="ja-JP" altLang="en-US" dirty="0"/>
+              <a:t>インターン</a:t>
+            </a:r>
+            <a:endParaRPr lang="en-US" altLang="ja-JP" dirty="0"/>
+          </a:p>
+          <a:p>
+            <a:r>
+              <a:rPr kumimoji="1" lang="en-US" altLang="ja-JP" dirty="0"/>
+              <a:t>OB</a:t>
+            </a:r>
+            <a:r>
+              <a:rPr kumimoji="1" lang="ja-JP" altLang="en-US" dirty="0"/>
+              <a:t>訪問</a:t>
+            </a:r>
+            <a:endParaRPr kumimoji="1" lang="en-US" altLang="ja-JP" dirty="0"/>
+          </a:p>
+          <a:p>
+            <a:r>
+              <a:rPr lang="ja-JP" altLang="en-US" dirty="0"/>
+              <a:t>職場見学</a:t>
+            </a:r>
+            <a:endParaRPr lang="en-US" altLang="ja-JP" dirty="0"/>
+          </a:p>
+          <a:p>
+            <a:r>
+              <a:rPr kumimoji="1" lang="ja-JP" altLang="en-US"/>
+              <a:t>現地調査（探偵的な）</a:t>
+            </a:r>
+          </a:p>
+        </p:txBody>
+      </p:sp>
+    </p:spTree>
+    <p:extLst>
+      <p:ext uri="{BB962C8B-B14F-4D97-AF65-F5344CB8AC3E}">
+        <p14:creationId xmlns:p14="http://schemas.microsoft.com/office/powerpoint/2010/main" val="853938605"/>
+      </p:ext>
+    </p:extLst>
+  </p:cSld>
+  <p:clrMapOvr>
+    <a:masterClrMapping/>
+  </p:clrMapOvr>
+</p:sld>
+</file>
+
+<file path=ppt/slides/slide39.xml><?xml version="1.0" encoding="utf-8"?>
+<p:sld xmlns:a="http://schemas.openxmlformats.org/drawingml/2006/main" xmlns:r="http://schemas.openxmlformats.org/officeDocument/2006/relationships" xmlns:p="http://schemas.openxmlformats.org/presentationml/2006/main">
+  <p:cSld>
+    <p:spTree>
+      <p:nvGrpSpPr>
+        <p:cNvPr id="1" name=""/>
+        <p:cNvGrpSpPr/>
+        <p:nvPr/>
+      </p:nvGrpSpPr>
+      <p:grpSpPr>
+        <a:xfrm>
+          <a:off x="0" y="0"/>
+          <a:ext cx="0" cy="0"/>
+          <a:chOff x="0" y="0"/>
+          <a:chExt cx="0" cy="0"/>
+        </a:xfrm>
+      </p:grpSpPr>
+      <p:sp>
+        <p:nvSpPr>
+          <p:cNvPr id="2" name="タイトル 1">
+            <a:extLst>
+              <a:ext uri="{FF2B5EF4-FFF2-40B4-BE49-F238E27FC236}">
+                <a16:creationId xmlns:a16="http://schemas.microsoft.com/office/drawing/2014/main" id="{57AFD2A2-73DD-4462-AABE-A3EC89849D56}"/>
+              </a:ext>
+            </a:extLst>
+          </p:cNvPr>
+          <p:cNvSpPr>
+            <a:spLocks noGrp="1"/>
+          </p:cNvSpPr>
+          <p:nvPr>
+            <p:ph type="title"/>
+          </p:nvPr>
+        </p:nvSpPr>
+        <p:spPr/>
+        <p:txBody>
+          <a:bodyPr/>
+          <a:lstStyle/>
+          <a:p>
+            <a:r>
+              <a:rPr kumimoji="1" lang="ja-JP" altLang="en-US" b="1" dirty="0"/>
+              <a:t>職場に関しての質問</a:t>
+            </a:r>
+          </a:p>
+        </p:txBody>
+      </p:sp>
+      <p:sp>
+        <p:nvSpPr>
+          <p:cNvPr id="3" name="コンテンツ プレースホルダー 2">
+            <a:extLst>
+              <a:ext uri="{FF2B5EF4-FFF2-40B4-BE49-F238E27FC236}">
+                <a16:creationId xmlns:a16="http://schemas.microsoft.com/office/drawing/2014/main" id="{8600527D-218B-49E2-958D-8370E3DEFB4B}"/>
+              </a:ext>
+            </a:extLst>
+          </p:cNvPr>
+          <p:cNvSpPr>
+            <a:spLocks noGrp="1"/>
+          </p:cNvSpPr>
+          <p:nvPr>
+            <p:ph idx="1"/>
+          </p:nvPr>
+        </p:nvSpPr>
+        <p:spPr/>
+        <p:txBody>
+          <a:bodyPr/>
+          <a:lstStyle/>
+          <a:p>
+            <a:r>
+              <a:rPr lang="ja-JP" altLang="en-US" dirty="0"/>
+              <a:t>切磋琢磨することはどう？</a:t>
+            </a:r>
+            <a:endParaRPr lang="en-US" altLang="ja-JP" dirty="0"/>
+          </a:p>
+          <a:p>
+            <a:pPr marL="0" indent="0">
+              <a:buNone/>
+            </a:pPr>
+            <a:r>
+              <a:rPr kumimoji="1" lang="ja-JP" altLang="en-US" dirty="0"/>
+              <a:t>　正直にいうとストレスを感じる</a:t>
+            </a:r>
+            <a:endParaRPr kumimoji="1" lang="en-US" altLang="ja-JP" dirty="0"/>
+          </a:p>
+          <a:p>
+            <a:pPr marL="0" indent="0">
+              <a:buNone/>
+            </a:pPr>
+            <a:r>
+              <a:rPr lang="ja-JP" altLang="en-US" dirty="0"/>
+              <a:t>　特に自分が下の立場になるち、妬みや苛立ちが出る（できない自分に対して）</a:t>
+            </a:r>
+            <a:endParaRPr lang="en-US" altLang="ja-JP" dirty="0"/>
+          </a:p>
+          <a:p>
+            <a:pPr marL="0" indent="0">
+              <a:buNone/>
+            </a:pPr>
+            <a:r>
+              <a:rPr kumimoji="1" lang="ja-JP" altLang="en-US" dirty="0"/>
+              <a:t>　しかし、それをモチベーションにして、自分のスキルを上げていることが多い。</a:t>
+            </a:r>
+            <a:endParaRPr kumimoji="1" lang="en-US" altLang="ja-JP" dirty="0"/>
+          </a:p>
+          <a:p>
+            <a:pPr marL="0" indent="0">
+              <a:buNone/>
+            </a:pPr>
+            <a:r>
+              <a:rPr lang="ja-JP" altLang="en-US" dirty="0"/>
+              <a:t>　例：後輩との研究（</a:t>
+            </a:r>
+            <a:r>
+              <a:rPr lang="en-US" altLang="ja-JP" dirty="0" err="1"/>
+              <a:t>xy</a:t>
+            </a:r>
+            <a:r>
+              <a:rPr lang="ja-JP" altLang="en-US" dirty="0"/>
+              <a:t>座標変換など）</a:t>
+            </a:r>
+            <a:endParaRPr kumimoji="1" lang="ja-JP" altLang="en-US" dirty="0"/>
+          </a:p>
+        </p:txBody>
+      </p:sp>
+    </p:spTree>
+    <p:extLst>
+      <p:ext uri="{BB962C8B-B14F-4D97-AF65-F5344CB8AC3E}">
+        <p14:creationId xmlns:p14="http://schemas.microsoft.com/office/powerpoint/2010/main" val="3655973091"/>
       </p:ext>
     </p:extLst>
   </p:cSld>
@@ -8356,7 +8546,7 @@
           <p:cNvPr id="2" name="タイトル 1">
             <a:extLst>
               <a:ext uri="{FF2B5EF4-FFF2-40B4-BE49-F238E27FC236}">
-                <a16:creationId xmlns:a16="http://schemas.microsoft.com/office/drawing/2014/main" id="{6554737D-5211-4AF9-8CD2-488566DF751D}"/>
+                <a16:creationId xmlns:a16="http://schemas.microsoft.com/office/drawing/2014/main" id="{2EF85CCC-EA11-4749-8851-5E538C2EE8AC}"/>
               </a:ext>
             </a:extLst>
           </p:cNvPr>
@@ -8374,7 +8564,7 @@
           <a:p>
             <a:r>
               <a:rPr kumimoji="1" lang="ja-JP" altLang="en-US" dirty="0"/>
-              <a:t>最近楽しいと感じた時</a:t>
+              <a:t>自分のやりたいこと</a:t>
             </a:r>
           </a:p>
         </p:txBody>
@@ -8384,7 +8574,7 @@
           <p:cNvPr id="3" name="コンテンツ プレースホルダー 2">
             <a:extLst>
               <a:ext uri="{FF2B5EF4-FFF2-40B4-BE49-F238E27FC236}">
-                <a16:creationId xmlns:a16="http://schemas.microsoft.com/office/drawing/2014/main" id="{4B403CCD-0BD0-4E92-8BEF-D95CF73F809A}"/>
+                <a16:creationId xmlns:a16="http://schemas.microsoft.com/office/drawing/2014/main" id="{BC3D0BFB-1D53-4AF0-A2D6-02B5A560AE2A}"/>
               </a:ext>
             </a:extLst>
           </p:cNvPr>
@@ -8397,61 +8587,86 @@
         </p:nvSpPr>
         <p:spPr/>
         <p:txBody>
-          <a:bodyPr/>
-          <a:lstStyle/>
-          <a:p>
-            <a:r>
-              <a:rPr kumimoji="1" lang="en-US" altLang="ja-JP" dirty="0"/>
-              <a:t>Simulink</a:t>
-            </a:r>
-            <a:r>
-              <a:rPr lang="ja-JP" altLang="en-US" dirty="0"/>
-              <a:t>でモーターを回せた時</a:t>
-            </a:r>
-            <a:endParaRPr lang="en-US" altLang="ja-JP" dirty="0"/>
-          </a:p>
-          <a:p>
-            <a:pPr marL="0" indent="0">
-              <a:buNone/>
-            </a:pPr>
-            <a:r>
-              <a:rPr kumimoji="1" lang="ja-JP" altLang="en-US" dirty="0"/>
-              <a:t>　理由：先生に感動を与えられたから、動くという感動</a:t>
+          <a:bodyPr>
+            <a:normAutofit fontScale="92500"/>
+          </a:bodyPr>
+          <a:lstStyle/>
+          <a:p>
+            <a:r>
+              <a:rPr kumimoji="1" lang="ja-JP" altLang="en-US" dirty="0"/>
+              <a:t>デジタルアート</a:t>
             </a:r>
             <a:endParaRPr kumimoji="1" lang="en-US" altLang="ja-JP" dirty="0"/>
           </a:p>
           <a:p>
-            <a:r>
-              <a:rPr lang="ja-JP" altLang="en-US" dirty="0"/>
-              <a:t>友達と話せたこと</a:t>
-            </a:r>
-            <a:endParaRPr lang="en-US" altLang="ja-JP" dirty="0"/>
-          </a:p>
-          <a:p>
-            <a:pPr marL="0" indent="0">
-              <a:buNone/>
-            </a:pPr>
-            <a:r>
-              <a:rPr kumimoji="1" lang="ja-JP" altLang="en-US" dirty="0"/>
-              <a:t>　</a:t>
-            </a:r>
-            <a:r>
-              <a:rPr lang="ja-JP" altLang="en-US" dirty="0"/>
-              <a:t>理由：自分の話を笑ってくれたから。</a:t>
-            </a:r>
-            <a:endParaRPr lang="en-US" altLang="ja-JP" dirty="0"/>
-          </a:p>
-          <a:p>
-            <a:r>
-              <a:rPr lang="ja-JP" altLang="en-US" dirty="0"/>
-              <a:t>人に感謝されたい存在になりたい</a:t>
-            </a:r>
-            <a:endParaRPr lang="en-US" altLang="ja-JP" dirty="0"/>
-          </a:p>
-          <a:p>
-            <a:endParaRPr lang="en-US" altLang="ja-JP" dirty="0"/>
-          </a:p>
-          <a:p>
+            <a:pPr marL="0" indent="0">
+              <a:buNone/>
+            </a:pPr>
+            <a:r>
+              <a:rPr lang="ja-JP" altLang="en-US" dirty="0"/>
+              <a:t>　あんなきれいなもの初めて見たから</a:t>
+            </a:r>
+            <a:endParaRPr lang="en-US" altLang="ja-JP" dirty="0"/>
+          </a:p>
+          <a:p>
+            <a:pPr marL="0" indent="0">
+              <a:buNone/>
+            </a:pPr>
+            <a:r>
+              <a:rPr kumimoji="1" lang="ja-JP" altLang="en-US" dirty="0"/>
+              <a:t>　自分もあのような作品を作り、人に感動と勇気を与えたい。</a:t>
+            </a:r>
+            <a:endParaRPr kumimoji="1" lang="en-US" altLang="ja-JP" dirty="0"/>
+          </a:p>
+          <a:p>
+            <a:r>
+              <a:rPr kumimoji="1" lang="ja-JP" altLang="en-US" dirty="0"/>
+              <a:t>デジタルアートのどのような分野に携わりたいか</a:t>
+            </a:r>
+            <a:endParaRPr kumimoji="1" lang="en-US" altLang="ja-JP" dirty="0"/>
+          </a:p>
+          <a:p>
+            <a:pPr marL="0" indent="0">
+              <a:buNone/>
+            </a:pPr>
+            <a:r>
+              <a:rPr lang="ja-JP" altLang="en-US" dirty="0"/>
+              <a:t>　フロントエンド、バックエンド、制御、企画、プログラミング？</a:t>
+            </a:r>
+            <a:endParaRPr lang="en-US" altLang="ja-JP" dirty="0"/>
+          </a:p>
+          <a:p>
+            <a:r>
+              <a:rPr lang="ja-JP" altLang="en-US" dirty="0"/>
+              <a:t>どのような時に自分が楽しいと思えるか？</a:t>
+            </a:r>
+            <a:endParaRPr lang="en-US" altLang="ja-JP" dirty="0"/>
+          </a:p>
+          <a:p>
+            <a:pPr marL="0" indent="0">
+              <a:buNone/>
+            </a:pPr>
+            <a:r>
+              <a:rPr kumimoji="1" lang="ja-JP" altLang="en-US" dirty="0"/>
+              <a:t>　チーム開発、個人開発なのか？</a:t>
+            </a:r>
+            <a:endParaRPr kumimoji="1" lang="en-US" altLang="ja-JP" dirty="0"/>
+          </a:p>
+          <a:p>
+            <a:r>
+              <a:rPr kumimoji="1" lang="ja-JP" altLang="en-US" dirty="0"/>
+              <a:t>どのような人に向けて感動や勇気を与えたいか？</a:t>
+            </a:r>
+            <a:endParaRPr kumimoji="1" lang="en-US" altLang="ja-JP" dirty="0"/>
+          </a:p>
+          <a:p>
+            <a:pPr marL="0" indent="0">
+              <a:buNone/>
+            </a:pPr>
+            <a:r>
+              <a:rPr lang="ja-JP" altLang="en-US" dirty="0"/>
+              <a:t>　未来に不安を持つ若者たち</a:t>
+            </a:r>
             <a:endParaRPr kumimoji="1" lang="ja-JP" altLang="en-US" dirty="0"/>
           </a:p>
         </p:txBody>
@@ -8459,7 +8674,1857 @@
     </p:spTree>
     <p:extLst>
       <p:ext uri="{BB962C8B-B14F-4D97-AF65-F5344CB8AC3E}">
-        <p14:creationId xmlns:p14="http://schemas.microsoft.com/office/powerpoint/2010/main" val="3980435141"/>
+        <p14:creationId xmlns:p14="http://schemas.microsoft.com/office/powerpoint/2010/main" val="1046860850"/>
+      </p:ext>
+    </p:extLst>
+  </p:cSld>
+  <p:clrMapOvr>
+    <a:masterClrMapping/>
+  </p:clrMapOvr>
+</p:sld>
+</file>
+
+<file path=ppt/slides/slide40.xml><?xml version="1.0" encoding="utf-8"?>
+<p:sld xmlns:a="http://schemas.openxmlformats.org/drawingml/2006/main" xmlns:r="http://schemas.openxmlformats.org/officeDocument/2006/relationships" xmlns:p="http://schemas.openxmlformats.org/presentationml/2006/main">
+  <p:cSld>
+    <p:spTree>
+      <p:nvGrpSpPr>
+        <p:cNvPr id="1" name=""/>
+        <p:cNvGrpSpPr/>
+        <p:nvPr/>
+      </p:nvGrpSpPr>
+      <p:grpSpPr>
+        <a:xfrm>
+          <a:off x="0" y="0"/>
+          <a:ext cx="0" cy="0"/>
+          <a:chOff x="0" y="0"/>
+          <a:chExt cx="0" cy="0"/>
+        </a:xfrm>
+      </p:grpSpPr>
+      <p:sp>
+        <p:nvSpPr>
+          <p:cNvPr id="2" name="タイトル 1">
+            <a:extLst>
+              <a:ext uri="{FF2B5EF4-FFF2-40B4-BE49-F238E27FC236}">
+                <a16:creationId xmlns:a16="http://schemas.microsoft.com/office/drawing/2014/main" id="{59E2E3D1-5167-42F9-92B0-47D6A3B5864D}"/>
+              </a:ext>
+            </a:extLst>
+          </p:cNvPr>
+          <p:cNvSpPr>
+            <a:spLocks noGrp="1"/>
+          </p:cNvSpPr>
+          <p:nvPr>
+            <p:ph type="title"/>
+          </p:nvPr>
+        </p:nvSpPr>
+        <p:spPr/>
+        <p:txBody>
+          <a:bodyPr/>
+          <a:lstStyle/>
+          <a:p>
+            <a:r>
+              <a:rPr kumimoji="1" lang="ja-JP" altLang="en-US" dirty="0"/>
+              <a:t>チームラボ・音楽の仕事がやりたいの？</a:t>
+            </a:r>
+          </a:p>
+        </p:txBody>
+      </p:sp>
+      <p:sp>
+        <p:nvSpPr>
+          <p:cNvPr id="3" name="コンテンツ プレースホルダー 2">
+            <a:extLst>
+              <a:ext uri="{FF2B5EF4-FFF2-40B4-BE49-F238E27FC236}">
+                <a16:creationId xmlns:a16="http://schemas.microsoft.com/office/drawing/2014/main" id="{58838223-C710-4127-BC13-9FB1C001121E}"/>
+              </a:ext>
+            </a:extLst>
+          </p:cNvPr>
+          <p:cNvSpPr>
+            <a:spLocks noGrp="1"/>
+          </p:cNvSpPr>
+          <p:nvPr>
+            <p:ph idx="1"/>
+          </p:nvPr>
+        </p:nvSpPr>
+        <p:spPr/>
+        <p:txBody>
+          <a:bodyPr>
+            <a:normAutofit fontScale="92500" lnSpcReduction="20000"/>
+          </a:bodyPr>
+          <a:lstStyle/>
+          <a:p>
+            <a:r>
+              <a:rPr kumimoji="1" lang="ja-JP" altLang="en-US" dirty="0"/>
+              <a:t>カッコイイ姿を見てきたから（</a:t>
+            </a:r>
+            <a:r>
+              <a:rPr kumimoji="1" lang="en-US" altLang="ja-JP" dirty="0" err="1"/>
+              <a:t>Uver</a:t>
+            </a:r>
+            <a:r>
+              <a:rPr kumimoji="1" lang="en-US" altLang="ja-JP" dirty="0"/>
+              <a:t> World</a:t>
+            </a:r>
+            <a:r>
+              <a:rPr kumimoji="1" lang="ja-JP" altLang="en-US" dirty="0"/>
+              <a:t>）</a:t>
+            </a:r>
+            <a:endParaRPr kumimoji="1" lang="en-US" altLang="ja-JP" dirty="0"/>
+          </a:p>
+          <a:p>
+            <a:r>
+              <a:rPr kumimoji="1" lang="ja-JP" altLang="en-US" dirty="0"/>
+              <a:t>音楽によって救われた経験がたくさんあるから</a:t>
+            </a:r>
+            <a:endParaRPr kumimoji="1" lang="en-US" altLang="ja-JP" dirty="0"/>
+          </a:p>
+          <a:p>
+            <a:r>
+              <a:rPr lang="ja-JP" altLang="en-US" dirty="0"/>
+              <a:t>自分も音楽を通じて、人々に感動や勇気を与えたい。（他手段あるかも）</a:t>
+            </a:r>
+            <a:endParaRPr lang="en-US" altLang="ja-JP" dirty="0"/>
+          </a:p>
+          <a:p>
+            <a:r>
+              <a:rPr lang="ja-JP" altLang="en-US" dirty="0"/>
+              <a:t>人に感謝されたい、勇気や希望を与えたい</a:t>
+            </a:r>
+            <a:endParaRPr lang="en-US" altLang="ja-JP" dirty="0"/>
+          </a:p>
+          <a:p>
+            <a:r>
+              <a:rPr lang="ja-JP" altLang="en-US" b="1" dirty="0"/>
+              <a:t>じゃあそのことを叶えることができる職種は何だ？</a:t>
+            </a:r>
+            <a:endParaRPr lang="en-US" altLang="ja-JP" b="1" dirty="0"/>
+          </a:p>
+          <a:p>
+            <a:r>
+              <a:rPr lang="ja-JP" altLang="en-US" b="1" dirty="0"/>
+              <a:t>具体的にどのようなことをした時に感謝されたい？</a:t>
+            </a:r>
+            <a:endParaRPr lang="en-US" altLang="ja-JP" b="1" dirty="0"/>
+          </a:p>
+          <a:p>
+            <a:r>
+              <a:rPr lang="ja-JP" altLang="en-US" b="1" dirty="0"/>
+              <a:t>自分が直接やったことに関して？それとも間接的に？</a:t>
+            </a:r>
+            <a:endParaRPr lang="en-US" altLang="ja-JP" b="1" dirty="0"/>
+          </a:p>
+          <a:p>
+            <a:r>
+              <a:rPr lang="ja-JP" altLang="en-US" b="1" dirty="0"/>
+              <a:t>直接的な場合、アンチがいても耐えられる？</a:t>
+            </a:r>
+            <a:endParaRPr lang="en-US" altLang="ja-JP" b="1" dirty="0"/>
+          </a:p>
+          <a:p>
+            <a:r>
+              <a:rPr lang="ja-JP" altLang="en-US" b="1" dirty="0"/>
+              <a:t>自分の性格的にすごいと思われるような職種につきたいと思わないのか？</a:t>
+            </a:r>
+            <a:endParaRPr lang="en-US" altLang="ja-JP" b="1" dirty="0"/>
+          </a:p>
+          <a:p>
+            <a:endParaRPr kumimoji="1" lang="ja-JP" altLang="en-US" dirty="0"/>
+          </a:p>
+        </p:txBody>
+      </p:sp>
+    </p:spTree>
+    <p:extLst>
+      <p:ext uri="{BB962C8B-B14F-4D97-AF65-F5344CB8AC3E}">
+        <p14:creationId xmlns:p14="http://schemas.microsoft.com/office/powerpoint/2010/main" val="3196346463"/>
+      </p:ext>
+    </p:extLst>
+  </p:cSld>
+  <p:clrMapOvr>
+    <a:masterClrMapping/>
+  </p:clrMapOvr>
+</p:sld>
+</file>
+
+<file path=ppt/slides/slide41.xml><?xml version="1.0" encoding="utf-8"?>
+<p:sld xmlns:a="http://schemas.openxmlformats.org/drawingml/2006/main" xmlns:r="http://schemas.openxmlformats.org/officeDocument/2006/relationships" xmlns:p="http://schemas.openxmlformats.org/presentationml/2006/main">
+  <p:cSld>
+    <p:spTree>
+      <p:nvGrpSpPr>
+        <p:cNvPr id="1" name=""/>
+        <p:cNvGrpSpPr/>
+        <p:nvPr/>
+      </p:nvGrpSpPr>
+      <p:grpSpPr>
+        <a:xfrm>
+          <a:off x="0" y="0"/>
+          <a:ext cx="0" cy="0"/>
+          <a:chOff x="0" y="0"/>
+          <a:chExt cx="0" cy="0"/>
+        </a:xfrm>
+      </p:grpSpPr>
+      <p:sp>
+        <p:nvSpPr>
+          <p:cNvPr id="2" name="タイトル 1">
+            <a:extLst>
+              <a:ext uri="{FF2B5EF4-FFF2-40B4-BE49-F238E27FC236}">
+                <a16:creationId xmlns:a16="http://schemas.microsoft.com/office/drawing/2014/main" id="{B94543A7-D60C-482F-9EE0-986CF1DB4A9B}"/>
+              </a:ext>
+            </a:extLst>
+          </p:cNvPr>
+          <p:cNvSpPr>
+            <a:spLocks noGrp="1"/>
+          </p:cNvSpPr>
+          <p:nvPr>
+            <p:ph type="title"/>
+          </p:nvPr>
+        </p:nvSpPr>
+        <p:spPr/>
+        <p:txBody>
+          <a:bodyPr>
+            <a:normAutofit/>
+          </a:bodyPr>
+          <a:lstStyle/>
+          <a:p>
+            <a:r>
+              <a:rPr lang="ja-JP" altLang="en-US" dirty="0"/>
+              <a:t>人に感謝されたい、褒められたい、勇気や希望を与えたい</a:t>
+            </a:r>
+            <a:endParaRPr kumimoji="1" lang="ja-JP" altLang="en-US" dirty="0"/>
+          </a:p>
+        </p:txBody>
+      </p:sp>
+      <p:sp>
+        <p:nvSpPr>
+          <p:cNvPr id="3" name="コンテンツ プレースホルダー 2">
+            <a:extLst>
+              <a:ext uri="{FF2B5EF4-FFF2-40B4-BE49-F238E27FC236}">
+                <a16:creationId xmlns:a16="http://schemas.microsoft.com/office/drawing/2014/main" id="{7BD328D4-90A0-49FD-806B-44E34088AC97}"/>
+              </a:ext>
+            </a:extLst>
+          </p:cNvPr>
+          <p:cNvSpPr>
+            <a:spLocks noGrp="1"/>
+          </p:cNvSpPr>
+          <p:nvPr>
+            <p:ph idx="1"/>
+          </p:nvPr>
+        </p:nvSpPr>
+        <p:spPr/>
+        <p:txBody>
+          <a:bodyPr>
+            <a:normAutofit fontScale="92500" lnSpcReduction="20000"/>
+          </a:bodyPr>
+          <a:lstStyle/>
+          <a:p>
+            <a:r>
+              <a:rPr lang="ja-JP" altLang="en-US" b="1" dirty="0"/>
+              <a:t>じゃあそのことを叶えることができる職種は何だ？</a:t>
+            </a:r>
+            <a:endParaRPr lang="en-US" altLang="ja-JP" b="1" dirty="0"/>
+          </a:p>
+          <a:p>
+            <a:pPr marL="0" indent="0">
+              <a:buNone/>
+            </a:pPr>
+            <a:r>
+              <a:rPr lang="ja-JP" altLang="en-US" b="1" dirty="0"/>
+              <a:t>良く感謝される仕事を探す</a:t>
+            </a:r>
+            <a:endParaRPr lang="en-US" altLang="ja-JP" b="1" dirty="0"/>
+          </a:p>
+          <a:p>
+            <a:pPr marL="0" indent="0">
+              <a:buNone/>
+            </a:pPr>
+            <a:r>
+              <a:rPr lang="ja-JP" altLang="en-US" b="1" dirty="0"/>
+              <a:t>　今までの経験</a:t>
+            </a:r>
+            <a:endParaRPr lang="en-US" altLang="ja-JP" b="1" dirty="0"/>
+          </a:p>
+          <a:p>
+            <a:pPr marL="0" indent="0">
+              <a:buNone/>
+            </a:pPr>
+            <a:r>
+              <a:rPr lang="ja-JP" altLang="en-US" b="1" dirty="0"/>
+              <a:t>　　プログラミングを教える先生（接客関係：対人関係）</a:t>
+            </a:r>
+            <a:endParaRPr lang="en-US" altLang="ja-JP" b="1" dirty="0"/>
+          </a:p>
+          <a:p>
+            <a:pPr marL="0" indent="0">
+              <a:buNone/>
+            </a:pPr>
+            <a:r>
+              <a:rPr lang="ja-JP" altLang="en-US" b="1" dirty="0"/>
+              <a:t>　　感謝されることが多い場面かを面接で聞く</a:t>
+            </a:r>
+            <a:endParaRPr lang="en-US" altLang="ja-JP" b="1" dirty="0"/>
+          </a:p>
+          <a:p>
+            <a:pPr marL="0" indent="0">
+              <a:buNone/>
+            </a:pPr>
+            <a:r>
+              <a:rPr lang="ja-JP" altLang="en-US" b="1" dirty="0"/>
+              <a:t>褒められそうな仕事</a:t>
+            </a:r>
+            <a:endParaRPr lang="en-US" altLang="ja-JP" b="1" dirty="0"/>
+          </a:p>
+          <a:p>
+            <a:pPr marL="0" indent="0">
+              <a:buNone/>
+            </a:pPr>
+            <a:r>
+              <a:rPr lang="ja-JP" altLang="en-US" b="1" dirty="0"/>
+              <a:t>　今までの経験</a:t>
+            </a:r>
+            <a:endParaRPr lang="en-US" altLang="ja-JP" b="1" dirty="0"/>
+          </a:p>
+          <a:p>
+            <a:pPr marL="0" indent="0">
+              <a:buNone/>
+            </a:pPr>
+            <a:r>
+              <a:rPr lang="ja-JP" altLang="en-US" b="1" dirty="0"/>
+              <a:t>　　プログラミングを教える</a:t>
+            </a:r>
+            <a:endParaRPr lang="en-US" altLang="ja-JP" b="1" dirty="0"/>
+          </a:p>
+          <a:p>
+            <a:pPr marL="0" indent="0">
+              <a:buNone/>
+            </a:pPr>
+            <a:r>
+              <a:rPr lang="ja-JP" altLang="en-US" b="1" dirty="0"/>
+              <a:t>　　　プログラミングを教えることがすごいことだから</a:t>
+            </a:r>
+            <a:endParaRPr lang="en-US" altLang="ja-JP" b="1" dirty="0"/>
+          </a:p>
+          <a:p>
+            <a:pPr marL="0" indent="0">
+              <a:buNone/>
+            </a:pPr>
+            <a:r>
+              <a:rPr lang="ja-JP" altLang="en-US" b="1"/>
+              <a:t>　最先事業、</a:t>
+            </a:r>
+            <a:endParaRPr lang="en-US" altLang="ja-JP" b="1" dirty="0"/>
+          </a:p>
+        </p:txBody>
+      </p:sp>
+    </p:spTree>
+    <p:extLst>
+      <p:ext uri="{BB962C8B-B14F-4D97-AF65-F5344CB8AC3E}">
+        <p14:creationId xmlns:p14="http://schemas.microsoft.com/office/powerpoint/2010/main" val="1673456990"/>
+      </p:ext>
+    </p:extLst>
+  </p:cSld>
+  <p:clrMapOvr>
+    <a:masterClrMapping/>
+  </p:clrMapOvr>
+</p:sld>
+</file>
+
+<file path=ppt/slides/slide42.xml><?xml version="1.0" encoding="utf-8"?>
+<p:sld xmlns:a="http://schemas.openxmlformats.org/drawingml/2006/main" xmlns:r="http://schemas.openxmlformats.org/officeDocument/2006/relationships" xmlns:p="http://schemas.openxmlformats.org/presentationml/2006/main">
+  <p:cSld>
+    <p:spTree>
+      <p:nvGrpSpPr>
+        <p:cNvPr id="1" name=""/>
+        <p:cNvGrpSpPr/>
+        <p:nvPr/>
+      </p:nvGrpSpPr>
+      <p:grpSpPr>
+        <a:xfrm>
+          <a:off x="0" y="0"/>
+          <a:ext cx="0" cy="0"/>
+          <a:chOff x="0" y="0"/>
+          <a:chExt cx="0" cy="0"/>
+        </a:xfrm>
+      </p:grpSpPr>
+      <p:sp>
+        <p:nvSpPr>
+          <p:cNvPr id="2" name="タイトル 1">
+            <a:extLst>
+              <a:ext uri="{FF2B5EF4-FFF2-40B4-BE49-F238E27FC236}">
+                <a16:creationId xmlns:a16="http://schemas.microsoft.com/office/drawing/2014/main" id="{8E577FA6-A046-44C5-88CE-D2419133F20F}"/>
+              </a:ext>
+            </a:extLst>
+          </p:cNvPr>
+          <p:cNvSpPr>
+            <a:spLocks noGrp="1"/>
+          </p:cNvSpPr>
+          <p:nvPr>
+            <p:ph type="title"/>
+          </p:nvPr>
+        </p:nvSpPr>
+        <p:spPr/>
+        <p:txBody>
+          <a:bodyPr/>
+          <a:lstStyle/>
+          <a:p>
+            <a:r>
+              <a:rPr kumimoji="1" lang="ja-JP" altLang="en-US" b="1" dirty="0"/>
+              <a:t>最近思ったこと</a:t>
+            </a:r>
+          </a:p>
+        </p:txBody>
+      </p:sp>
+      <p:sp>
+        <p:nvSpPr>
+          <p:cNvPr id="3" name="コンテンツ プレースホルダー 2">
+            <a:extLst>
+              <a:ext uri="{FF2B5EF4-FFF2-40B4-BE49-F238E27FC236}">
+                <a16:creationId xmlns:a16="http://schemas.microsoft.com/office/drawing/2014/main" id="{9261FC73-6C2B-41E7-AD8F-A46C2F4D2326}"/>
+              </a:ext>
+            </a:extLst>
+          </p:cNvPr>
+          <p:cNvSpPr>
+            <a:spLocks noGrp="1"/>
+          </p:cNvSpPr>
+          <p:nvPr>
+            <p:ph idx="1"/>
+          </p:nvPr>
+        </p:nvSpPr>
+        <p:spPr/>
+        <p:txBody>
+          <a:bodyPr>
+            <a:normAutofit fontScale="85000" lnSpcReduction="20000"/>
+          </a:bodyPr>
+          <a:lstStyle/>
+          <a:p>
+            <a:r>
+              <a:rPr kumimoji="1" lang="ja-JP" altLang="en-US" dirty="0"/>
+              <a:t>最終的には、人や職場の雰囲気で判断することが高いかも。</a:t>
+            </a:r>
+            <a:endParaRPr kumimoji="1" lang="en-US" altLang="ja-JP" dirty="0"/>
+          </a:p>
+          <a:p>
+            <a:r>
+              <a:rPr lang="ja-JP" altLang="en-US" dirty="0"/>
+              <a:t>全ての工程に携わりたい欲があること。</a:t>
+            </a:r>
+            <a:endParaRPr lang="en-US" altLang="ja-JP" dirty="0"/>
+          </a:p>
+          <a:p>
+            <a:pPr marL="0" indent="0">
+              <a:buNone/>
+            </a:pPr>
+            <a:r>
+              <a:rPr lang="ja-JP" altLang="en-US" dirty="0"/>
+              <a:t>　一つのことに絞ると、飽き性が発生する可能性大。</a:t>
+            </a:r>
+            <a:endParaRPr lang="en-US" altLang="ja-JP" dirty="0"/>
+          </a:p>
+          <a:p>
+            <a:r>
+              <a:rPr kumimoji="1" lang="ja-JP" altLang="en-US" dirty="0"/>
+              <a:t>仕事についていけるかどうかの不安がある。</a:t>
+            </a:r>
+            <a:endParaRPr kumimoji="1" lang="en-US" altLang="ja-JP" dirty="0"/>
+          </a:p>
+          <a:p>
+            <a:pPr marL="0" indent="0">
+              <a:buNone/>
+            </a:pPr>
+            <a:r>
+              <a:rPr lang="ja-JP" altLang="en-US" dirty="0"/>
+              <a:t>　スキルを身に着けて、自分の自信を上げるしかない。</a:t>
+            </a:r>
+            <a:endParaRPr lang="en-US" altLang="ja-JP" dirty="0"/>
+          </a:p>
+          <a:p>
+            <a:r>
+              <a:rPr kumimoji="1" lang="ja-JP" altLang="en-US" dirty="0"/>
+              <a:t>関西系の人達は、いい人が多い。</a:t>
+            </a:r>
+            <a:endParaRPr kumimoji="1" lang="en-US" altLang="ja-JP" dirty="0"/>
+          </a:p>
+          <a:p>
+            <a:r>
+              <a:rPr kumimoji="1" lang="ja-JP" altLang="en-US" dirty="0"/>
+              <a:t>人によって質問するのに時間がかかる</a:t>
+            </a:r>
+            <a:endParaRPr kumimoji="1" lang="en-US" altLang="ja-JP" dirty="0"/>
+          </a:p>
+          <a:p>
+            <a:pPr marL="0" indent="0">
+              <a:buNone/>
+            </a:pPr>
+            <a:r>
+              <a:rPr lang="ja-JP" altLang="en-US" dirty="0"/>
+              <a:t>　理由：馬鹿にされそう、こんなのもわからないのかなど</a:t>
+            </a:r>
+            <a:endParaRPr lang="en-US" altLang="ja-JP" dirty="0"/>
+          </a:p>
+          <a:p>
+            <a:r>
+              <a:rPr lang="ja-JP" altLang="en-US" dirty="0"/>
+              <a:t>状況によって人に声をかけることができない時あり</a:t>
+            </a:r>
+            <a:endParaRPr lang="en-US" altLang="ja-JP" dirty="0"/>
+          </a:p>
+          <a:p>
+            <a:pPr marL="0" indent="0">
+              <a:buNone/>
+            </a:pPr>
+            <a:r>
+              <a:rPr lang="ja-JP" altLang="en-US" dirty="0"/>
+              <a:t>　例：人といるとき、先輩がいるとき、なじみのない環境の時な</a:t>
+            </a:r>
+            <a:endParaRPr lang="en-US" altLang="ja-JP" dirty="0"/>
+          </a:p>
+          <a:p>
+            <a:pPr marL="0" indent="0">
+              <a:buNone/>
+            </a:pPr>
+            <a:r>
+              <a:rPr lang="ja-JP" altLang="en-US" dirty="0"/>
+              <a:t>　原因：周りの目が気になる、無視されたらどうしようなど</a:t>
+            </a:r>
+            <a:endParaRPr lang="en-US" altLang="ja-JP" dirty="0"/>
+          </a:p>
+          <a:p>
+            <a:pPr marL="0" indent="0">
+              <a:buNone/>
+            </a:pPr>
+            <a:endParaRPr kumimoji="1" lang="ja-JP" altLang="en-US" dirty="0"/>
+          </a:p>
+        </p:txBody>
+      </p:sp>
+    </p:spTree>
+    <p:extLst>
+      <p:ext uri="{BB962C8B-B14F-4D97-AF65-F5344CB8AC3E}">
+        <p14:creationId xmlns:p14="http://schemas.microsoft.com/office/powerpoint/2010/main" val="3305813906"/>
+      </p:ext>
+    </p:extLst>
+  </p:cSld>
+  <p:clrMapOvr>
+    <a:masterClrMapping/>
+  </p:clrMapOvr>
+</p:sld>
+</file>
+
+<file path=ppt/slides/slide43.xml><?xml version="1.0" encoding="utf-8"?>
+<p:sld xmlns:a="http://schemas.openxmlformats.org/drawingml/2006/main" xmlns:r="http://schemas.openxmlformats.org/officeDocument/2006/relationships" xmlns:p="http://schemas.openxmlformats.org/presentationml/2006/main">
+  <p:cSld>
+    <p:spTree>
+      <p:nvGrpSpPr>
+        <p:cNvPr id="1" name=""/>
+        <p:cNvGrpSpPr/>
+        <p:nvPr/>
+      </p:nvGrpSpPr>
+      <p:grpSpPr>
+        <a:xfrm>
+          <a:off x="0" y="0"/>
+          <a:ext cx="0" cy="0"/>
+          <a:chOff x="0" y="0"/>
+          <a:chExt cx="0" cy="0"/>
+        </a:xfrm>
+      </p:grpSpPr>
+      <p:sp>
+        <p:nvSpPr>
+          <p:cNvPr id="2" name="タイトル 1">
+            <a:extLst>
+              <a:ext uri="{FF2B5EF4-FFF2-40B4-BE49-F238E27FC236}">
+                <a16:creationId xmlns:a16="http://schemas.microsoft.com/office/drawing/2014/main" id="{4BDF1643-3AE7-47D4-82AB-10A34D04B322}"/>
+              </a:ext>
+            </a:extLst>
+          </p:cNvPr>
+          <p:cNvSpPr>
+            <a:spLocks noGrp="1"/>
+          </p:cNvSpPr>
+          <p:nvPr>
+            <p:ph type="title"/>
+          </p:nvPr>
+        </p:nvSpPr>
+        <p:spPr/>
+        <p:txBody>
+          <a:bodyPr/>
+          <a:lstStyle/>
+          <a:p>
+            <a:r>
+              <a:rPr kumimoji="1" lang="ja-JP" altLang="en-US" dirty="0"/>
+              <a:t>お前のやりたいことは何だ？</a:t>
+            </a:r>
+          </a:p>
+        </p:txBody>
+      </p:sp>
+      <p:sp>
+        <p:nvSpPr>
+          <p:cNvPr id="3" name="コンテンツ プレースホルダー 2">
+            <a:extLst>
+              <a:ext uri="{FF2B5EF4-FFF2-40B4-BE49-F238E27FC236}">
+                <a16:creationId xmlns:a16="http://schemas.microsoft.com/office/drawing/2014/main" id="{70B7B20D-2498-4CE7-A9AB-B8E35F6133B9}"/>
+              </a:ext>
+            </a:extLst>
+          </p:cNvPr>
+          <p:cNvSpPr>
+            <a:spLocks noGrp="1"/>
+          </p:cNvSpPr>
+          <p:nvPr>
+            <p:ph idx="1"/>
+          </p:nvPr>
+        </p:nvSpPr>
+        <p:spPr/>
+        <p:txBody>
+          <a:bodyPr>
+            <a:normAutofit fontScale="92500" lnSpcReduction="20000"/>
+          </a:bodyPr>
+          <a:lstStyle/>
+          <a:p>
+            <a:r>
+              <a:rPr kumimoji="1" lang="ja-JP" altLang="en-US" b="1" dirty="0"/>
+              <a:t>お前の人生の目標は？</a:t>
+            </a:r>
+            <a:endParaRPr kumimoji="1" lang="en-US" altLang="ja-JP" b="1" dirty="0"/>
+          </a:p>
+          <a:p>
+            <a:pPr marL="0" indent="0">
+              <a:buNone/>
+            </a:pPr>
+            <a:r>
+              <a:rPr lang="ja-JP" altLang="en-US" dirty="0"/>
+              <a:t>　人の役に立ちたい、感謝されたい、勇気や希望を与えたい</a:t>
+            </a:r>
+            <a:endParaRPr lang="en-US" altLang="ja-JP" dirty="0"/>
+          </a:p>
+          <a:p>
+            <a:pPr marL="0" indent="0">
+              <a:buNone/>
+            </a:pPr>
+            <a:r>
+              <a:rPr kumimoji="1" lang="ja-JP" altLang="en-US" dirty="0"/>
+              <a:t>　</a:t>
+            </a:r>
+            <a:r>
+              <a:rPr lang="ja-JP" altLang="en-US" dirty="0"/>
+              <a:t>どうすれば叶う？</a:t>
+            </a:r>
+            <a:endParaRPr lang="en-US" altLang="ja-JP" dirty="0"/>
+          </a:p>
+          <a:p>
+            <a:pPr marL="0" indent="0">
+              <a:buNone/>
+            </a:pPr>
+            <a:r>
+              <a:rPr kumimoji="1" lang="ja-JP" altLang="en-US" dirty="0"/>
+              <a:t>　　接客？コンサル？教師？</a:t>
+            </a:r>
+            <a:endParaRPr kumimoji="1" lang="en-US" altLang="ja-JP" dirty="0"/>
+          </a:p>
+          <a:p>
+            <a:pPr marL="0" indent="0">
+              <a:buNone/>
+            </a:pPr>
+            <a:r>
+              <a:rPr kumimoji="1" lang="ja-JP" altLang="en-US" dirty="0"/>
+              <a:t>　自分の経験で感謝されることが多かった場面</a:t>
+            </a:r>
+            <a:endParaRPr kumimoji="1" lang="en-US" altLang="ja-JP" dirty="0"/>
+          </a:p>
+          <a:p>
+            <a:pPr marL="0" indent="0">
+              <a:buNone/>
+            </a:pPr>
+            <a:r>
+              <a:rPr kumimoji="1" lang="ja-JP" altLang="en-US" dirty="0"/>
+              <a:t>　　人に何かを教えた時、相手に何かしらのメリットを与えた時</a:t>
+            </a:r>
+            <a:endParaRPr kumimoji="1" lang="en-US" altLang="ja-JP" dirty="0"/>
+          </a:p>
+          <a:p>
+            <a:r>
+              <a:rPr lang="ja-JP" altLang="en-US" b="1" dirty="0"/>
+              <a:t>就活の軸は？</a:t>
+            </a:r>
+            <a:endParaRPr lang="en-US" altLang="ja-JP" b="1" dirty="0"/>
+          </a:p>
+          <a:p>
+            <a:pPr marL="0" indent="0">
+              <a:buNone/>
+            </a:pPr>
+            <a:r>
+              <a:rPr lang="ja-JP" altLang="en-US" b="1" dirty="0"/>
+              <a:t>　人に感謝させるような仕事ができる</a:t>
+            </a:r>
+            <a:endParaRPr lang="en-US" altLang="ja-JP" b="1" dirty="0"/>
+          </a:p>
+          <a:p>
+            <a:pPr marL="0" indent="0">
+              <a:buNone/>
+            </a:pPr>
+            <a:r>
+              <a:rPr lang="ja-JP" altLang="en-US" b="1" dirty="0"/>
+              <a:t>　具体的には？</a:t>
+            </a:r>
+            <a:endParaRPr lang="en-US" altLang="ja-JP" b="1" dirty="0"/>
+          </a:p>
+          <a:p>
+            <a:pPr marL="0" indent="0">
+              <a:buNone/>
+            </a:pPr>
+            <a:r>
+              <a:rPr lang="ja-JP" altLang="en-US" b="1" dirty="0"/>
+              <a:t>　自分が行ったことに対して、人々に感謝されるようなことをする。</a:t>
+            </a:r>
+            <a:endParaRPr lang="en-US" altLang="ja-JP" b="1" dirty="0"/>
+          </a:p>
+          <a:p>
+            <a:endParaRPr kumimoji="1" lang="ja-JP" altLang="en-US" dirty="0"/>
+          </a:p>
+        </p:txBody>
+      </p:sp>
+    </p:spTree>
+    <p:extLst>
+      <p:ext uri="{BB962C8B-B14F-4D97-AF65-F5344CB8AC3E}">
+        <p14:creationId xmlns:p14="http://schemas.microsoft.com/office/powerpoint/2010/main" val="3905996644"/>
+      </p:ext>
+    </p:extLst>
+  </p:cSld>
+  <p:clrMapOvr>
+    <a:masterClrMapping/>
+  </p:clrMapOvr>
+</p:sld>
+</file>
+
+<file path=ppt/slides/slide44.xml><?xml version="1.0" encoding="utf-8"?>
+<p:sld xmlns:a="http://schemas.openxmlformats.org/drawingml/2006/main" xmlns:r="http://schemas.openxmlformats.org/officeDocument/2006/relationships" xmlns:p="http://schemas.openxmlformats.org/presentationml/2006/main">
+  <p:cSld>
+    <p:spTree>
+      <p:nvGrpSpPr>
+        <p:cNvPr id="1" name=""/>
+        <p:cNvGrpSpPr/>
+        <p:nvPr/>
+      </p:nvGrpSpPr>
+      <p:grpSpPr>
+        <a:xfrm>
+          <a:off x="0" y="0"/>
+          <a:ext cx="0" cy="0"/>
+          <a:chOff x="0" y="0"/>
+          <a:chExt cx="0" cy="0"/>
+        </a:xfrm>
+      </p:grpSpPr>
+      <p:sp>
+        <p:nvSpPr>
+          <p:cNvPr id="2" name="タイトル 1">
+            <a:extLst>
+              <a:ext uri="{FF2B5EF4-FFF2-40B4-BE49-F238E27FC236}">
+                <a16:creationId xmlns:a16="http://schemas.microsoft.com/office/drawing/2014/main" id="{B710F870-3A67-4EF3-AC88-A7C76E3DC3C5}"/>
+              </a:ext>
+            </a:extLst>
+          </p:cNvPr>
+          <p:cNvSpPr>
+            <a:spLocks noGrp="1"/>
+          </p:cNvSpPr>
+          <p:nvPr>
+            <p:ph type="title"/>
+          </p:nvPr>
+        </p:nvSpPr>
+        <p:spPr/>
+        <p:txBody>
+          <a:bodyPr>
+            <a:normAutofit/>
+          </a:bodyPr>
+          <a:lstStyle/>
+          <a:p>
+            <a:r>
+              <a:rPr kumimoji="1" lang="ja-JP" altLang="en-US" b="1" dirty="0"/>
+              <a:t>やりたいことを見つけるため</a:t>
+            </a:r>
+            <a:br>
+              <a:rPr kumimoji="1" lang="en-US" altLang="ja-JP" b="1" dirty="0"/>
+            </a:br>
+            <a:r>
+              <a:rPr kumimoji="1" lang="ja-JP" altLang="en-US" b="1" dirty="0"/>
+              <a:t>　　　　　　　　　　　（好きなこと）</a:t>
+            </a:r>
+          </a:p>
+        </p:txBody>
+      </p:sp>
+      <p:sp>
+        <p:nvSpPr>
+          <p:cNvPr id="3" name="コンテンツ プレースホルダー 2">
+            <a:extLst>
+              <a:ext uri="{FF2B5EF4-FFF2-40B4-BE49-F238E27FC236}">
+                <a16:creationId xmlns:a16="http://schemas.microsoft.com/office/drawing/2014/main" id="{F03AA186-5F5A-4A81-A3E8-CFE199A6C858}"/>
+              </a:ext>
+            </a:extLst>
+          </p:cNvPr>
+          <p:cNvSpPr>
+            <a:spLocks noGrp="1"/>
+          </p:cNvSpPr>
+          <p:nvPr>
+            <p:ph idx="1"/>
+          </p:nvPr>
+        </p:nvSpPr>
+        <p:spPr/>
+        <p:txBody>
+          <a:bodyPr>
+            <a:normAutofit fontScale="92500" lnSpcReduction="10000"/>
+          </a:bodyPr>
+          <a:lstStyle/>
+          <a:p>
+            <a:r>
+              <a:rPr kumimoji="1" lang="ja-JP" altLang="en-US" b="1" dirty="0"/>
+              <a:t>好きなこと（</a:t>
+            </a:r>
+            <a:r>
+              <a:rPr lang="ja-JP" altLang="en-US" b="1" dirty="0"/>
+              <a:t>好きなこと</a:t>
+            </a:r>
+            <a:r>
+              <a:rPr kumimoji="1" lang="ja-JP" altLang="en-US" b="1" dirty="0"/>
+              <a:t>）</a:t>
+            </a:r>
+            <a:endParaRPr kumimoji="1" lang="en-US" altLang="ja-JP" b="1" dirty="0"/>
+          </a:p>
+          <a:p>
+            <a:pPr marL="0" indent="0">
+              <a:buNone/>
+            </a:pPr>
+            <a:r>
+              <a:rPr lang="ja-JP" altLang="en-US" b="1" dirty="0"/>
+              <a:t>　組み立て（ものつくり）</a:t>
+            </a:r>
+            <a:r>
+              <a:rPr lang="en-US" altLang="ja-JP" b="1" dirty="0"/>
+              <a:t>=&gt; </a:t>
+            </a:r>
+            <a:r>
+              <a:rPr lang="ja-JP" altLang="en-US" b="1" dirty="0"/>
+              <a:t>自分で考えたものを形にする。</a:t>
+            </a:r>
+            <a:endParaRPr lang="en-US" altLang="ja-JP" b="1" dirty="0"/>
+          </a:p>
+          <a:p>
+            <a:pPr marL="0" indent="0">
+              <a:buNone/>
+            </a:pPr>
+            <a:r>
+              <a:rPr lang="ja-JP" altLang="en-US" dirty="0"/>
+              <a:t>　　</a:t>
+            </a:r>
+            <a:r>
+              <a:rPr lang="en-US" altLang="ja-JP" dirty="0"/>
+              <a:t>=&gt; </a:t>
+            </a:r>
+            <a:r>
+              <a:rPr lang="ja-JP" altLang="en-US" dirty="0"/>
+              <a:t>世の中に見せて人に褒められたい。</a:t>
+            </a:r>
+            <a:r>
+              <a:rPr lang="en-US" altLang="ja-JP" dirty="0"/>
+              <a:t>=&gt;</a:t>
+            </a:r>
+            <a:r>
+              <a:rPr lang="ja-JP" altLang="en-US" dirty="0"/>
+              <a:t>インターン</a:t>
+            </a:r>
+            <a:r>
+              <a:rPr lang="en-US" altLang="ja-JP" dirty="0"/>
+              <a:t>,</a:t>
+            </a:r>
+            <a:r>
+              <a:rPr lang="ja-JP" altLang="en-US" dirty="0"/>
+              <a:t>研究</a:t>
+            </a:r>
+            <a:endParaRPr lang="en-US" altLang="ja-JP" dirty="0"/>
+          </a:p>
+          <a:p>
+            <a:pPr marL="0" indent="0">
+              <a:buNone/>
+            </a:pPr>
+            <a:r>
+              <a:rPr lang="ja-JP" altLang="en-US" dirty="0"/>
+              <a:t>　　</a:t>
+            </a:r>
+            <a:r>
+              <a:rPr lang="en-US" altLang="ja-JP" dirty="0"/>
+              <a:t>=&gt; </a:t>
+            </a:r>
+            <a:r>
+              <a:rPr lang="ja-JP" altLang="en-US" dirty="0"/>
+              <a:t>消費者に使っていただけるような物作り</a:t>
+            </a:r>
+            <a:endParaRPr lang="en-US" altLang="ja-JP" dirty="0"/>
+          </a:p>
+          <a:p>
+            <a:pPr marL="0" indent="0">
+              <a:buNone/>
+            </a:pPr>
+            <a:r>
+              <a:rPr lang="ja-JP" altLang="en-US" b="1" dirty="0"/>
+              <a:t>　コードを書いて物を制御（リアルティがあって良い。）</a:t>
+            </a:r>
+            <a:endParaRPr lang="en-US" altLang="ja-JP" b="1" dirty="0"/>
+          </a:p>
+          <a:p>
+            <a:pPr marL="0" indent="0">
+              <a:buNone/>
+            </a:pPr>
+            <a:r>
+              <a:rPr lang="ja-JP" altLang="en-US" dirty="0"/>
+              <a:t>　　</a:t>
+            </a:r>
+            <a:r>
+              <a:rPr lang="en-US" altLang="ja-JP" dirty="0"/>
+              <a:t>=&gt; </a:t>
+            </a:r>
+            <a:r>
+              <a:rPr lang="ja-JP" altLang="en-US" dirty="0"/>
+              <a:t>コードを書き、自分の思い通りの動作になったときの感動、達成感がたまらないから。 </a:t>
+            </a:r>
+            <a:r>
+              <a:rPr lang="en-US" altLang="ja-JP" dirty="0"/>
+              <a:t>=&gt; </a:t>
+            </a:r>
+            <a:r>
+              <a:rPr lang="ja-JP" altLang="en-US" dirty="0"/>
+              <a:t>インターン、研究</a:t>
+            </a:r>
+            <a:endParaRPr lang="en-US" altLang="ja-JP" dirty="0"/>
+          </a:p>
+          <a:p>
+            <a:pPr marL="0" indent="0">
+              <a:buNone/>
+            </a:pPr>
+            <a:r>
+              <a:rPr lang="ja-JP" altLang="en-US" b="1" dirty="0"/>
+              <a:t>　作詞作曲制作（興味のあること）</a:t>
+            </a:r>
+            <a:endParaRPr lang="en-US" altLang="ja-JP" b="1" dirty="0"/>
+          </a:p>
+          <a:p>
+            <a:pPr marL="0" indent="0">
+              <a:buNone/>
+            </a:pPr>
+            <a:r>
+              <a:rPr lang="ja-JP" altLang="en-US" b="1" dirty="0"/>
+              <a:t>　　</a:t>
+            </a:r>
+            <a:r>
+              <a:rPr lang="en-US" altLang="ja-JP" dirty="0"/>
+              <a:t>=&gt; </a:t>
+            </a:r>
+            <a:r>
+              <a:rPr lang="ja-JP" altLang="en-US" dirty="0"/>
+              <a:t>普段音楽を聴いていて、自分そっちの立場になり、人々を感動させたいから。</a:t>
+            </a:r>
+            <a:endParaRPr lang="en-US" altLang="ja-JP" dirty="0"/>
+          </a:p>
+          <a:p>
+            <a:pPr marL="0" indent="0">
+              <a:buNone/>
+            </a:pPr>
+            <a:endParaRPr lang="en-US" altLang="ja-JP" dirty="0"/>
+          </a:p>
+          <a:p>
+            <a:endParaRPr kumimoji="1" lang="ja-JP" altLang="en-US" dirty="0"/>
+          </a:p>
+        </p:txBody>
+      </p:sp>
+    </p:spTree>
+    <p:extLst>
+      <p:ext uri="{BB962C8B-B14F-4D97-AF65-F5344CB8AC3E}">
+        <p14:creationId xmlns:p14="http://schemas.microsoft.com/office/powerpoint/2010/main" val="239000470"/>
+      </p:ext>
+    </p:extLst>
+  </p:cSld>
+  <p:clrMapOvr>
+    <a:masterClrMapping/>
+  </p:clrMapOvr>
+</p:sld>
+</file>
+
+<file path=ppt/slides/slide45.xml><?xml version="1.0" encoding="utf-8"?>
+<p:sld xmlns:a="http://schemas.openxmlformats.org/drawingml/2006/main" xmlns:r="http://schemas.openxmlformats.org/officeDocument/2006/relationships" xmlns:p="http://schemas.openxmlformats.org/presentationml/2006/main">
+  <p:cSld>
+    <p:spTree>
+      <p:nvGrpSpPr>
+        <p:cNvPr id="1" name=""/>
+        <p:cNvGrpSpPr/>
+        <p:nvPr/>
+      </p:nvGrpSpPr>
+      <p:grpSpPr>
+        <a:xfrm>
+          <a:off x="0" y="0"/>
+          <a:ext cx="0" cy="0"/>
+          <a:chOff x="0" y="0"/>
+          <a:chExt cx="0" cy="0"/>
+        </a:xfrm>
+      </p:grpSpPr>
+      <p:sp>
+        <p:nvSpPr>
+          <p:cNvPr id="2" name="タイトル 1">
+            <a:extLst>
+              <a:ext uri="{FF2B5EF4-FFF2-40B4-BE49-F238E27FC236}">
+                <a16:creationId xmlns:a16="http://schemas.microsoft.com/office/drawing/2014/main" id="{A8120F1F-686D-4AE4-9BB8-436AC1956C64}"/>
+              </a:ext>
+            </a:extLst>
+          </p:cNvPr>
+          <p:cNvSpPr>
+            <a:spLocks noGrp="1"/>
+          </p:cNvSpPr>
+          <p:nvPr>
+            <p:ph type="title"/>
+          </p:nvPr>
+        </p:nvSpPr>
+        <p:spPr/>
+        <p:txBody>
+          <a:bodyPr/>
+          <a:lstStyle/>
+          <a:p>
+            <a:r>
+              <a:rPr kumimoji="1" lang="ja-JP" altLang="en-US" b="1" dirty="0"/>
+              <a:t>やりたいことを見つけるため</a:t>
+            </a:r>
+            <a:br>
+              <a:rPr kumimoji="1" lang="en-US" altLang="ja-JP" b="1" dirty="0"/>
+            </a:br>
+            <a:r>
+              <a:rPr kumimoji="1" lang="ja-JP" altLang="en-US" b="1" dirty="0"/>
+              <a:t>　　　　　　　　　　　（得意なこと）</a:t>
+            </a:r>
+          </a:p>
+        </p:txBody>
+      </p:sp>
+      <p:sp>
+        <p:nvSpPr>
+          <p:cNvPr id="3" name="コンテンツ プレースホルダー 2">
+            <a:extLst>
+              <a:ext uri="{FF2B5EF4-FFF2-40B4-BE49-F238E27FC236}">
+                <a16:creationId xmlns:a16="http://schemas.microsoft.com/office/drawing/2014/main" id="{8B0F4E0B-6C08-49A8-B370-BC0EDC6D277F}"/>
+              </a:ext>
+            </a:extLst>
+          </p:cNvPr>
+          <p:cNvSpPr>
+            <a:spLocks noGrp="1"/>
+          </p:cNvSpPr>
+          <p:nvPr>
+            <p:ph idx="1"/>
+          </p:nvPr>
+        </p:nvSpPr>
+        <p:spPr/>
+        <p:txBody>
+          <a:bodyPr/>
+          <a:lstStyle/>
+          <a:p>
+            <a:r>
+              <a:rPr kumimoji="1" lang="ja-JP" altLang="en-US" b="1" dirty="0"/>
+              <a:t>得意なこと</a:t>
+            </a:r>
+            <a:endParaRPr kumimoji="1" lang="en-US" altLang="ja-JP" b="1" dirty="0"/>
+          </a:p>
+          <a:p>
+            <a:pPr marL="0" indent="0">
+              <a:buNone/>
+            </a:pPr>
+            <a:r>
+              <a:rPr lang="ja-JP" altLang="en-US" dirty="0"/>
+              <a:t>　人にわかりやすく説明する努力をする（</a:t>
+            </a:r>
+            <a:r>
+              <a:rPr lang="en-US" altLang="ja-JP" dirty="0" err="1"/>
+              <a:t>infratop</a:t>
+            </a:r>
+            <a:r>
+              <a:rPr lang="ja-JP" altLang="en-US" dirty="0"/>
+              <a:t>）</a:t>
+            </a:r>
+            <a:endParaRPr lang="en-US" altLang="ja-JP" dirty="0"/>
+          </a:p>
+          <a:p>
+            <a:pPr marL="0" indent="0">
+              <a:buNone/>
+            </a:pPr>
+            <a:r>
+              <a:rPr lang="ja-JP" altLang="en-US" dirty="0"/>
+              <a:t>　人の気持ちを理解しようとする部分</a:t>
+            </a:r>
+            <a:r>
+              <a:rPr lang="en-US" altLang="ja-JP" dirty="0"/>
+              <a:t>(</a:t>
+            </a:r>
+            <a:r>
+              <a:rPr lang="ja-JP" altLang="en-US" dirty="0"/>
+              <a:t>研究、</a:t>
+            </a:r>
+            <a:r>
+              <a:rPr lang="en-US" altLang="ja-JP" dirty="0" err="1"/>
+              <a:t>infratop</a:t>
+            </a:r>
+            <a:r>
+              <a:rPr lang="en-US" altLang="ja-JP" dirty="0"/>
+              <a:t>)</a:t>
+            </a:r>
+          </a:p>
+          <a:p>
+            <a:pPr marL="0" indent="0">
+              <a:buNone/>
+            </a:pPr>
+            <a:r>
+              <a:rPr lang="ja-JP" altLang="en-US" dirty="0"/>
+              <a:t>　行動力（先生や先輩に聞いたり </a:t>
+            </a:r>
+            <a:endParaRPr lang="en-US" altLang="ja-JP" dirty="0"/>
+          </a:p>
+          <a:p>
+            <a:pPr marL="0" indent="0">
+              <a:buNone/>
+            </a:pPr>
+            <a:r>
+              <a:rPr lang="ja-JP" altLang="en-US" dirty="0"/>
+              <a:t>　　　　　</a:t>
+            </a:r>
+            <a:r>
+              <a:rPr lang="en-US" altLang="ja-JP" dirty="0"/>
+              <a:t>=&gt; </a:t>
+            </a:r>
+            <a:r>
+              <a:rPr lang="ja-JP" altLang="en-US" dirty="0"/>
+              <a:t>中学、高校、</a:t>
+            </a:r>
+            <a:r>
+              <a:rPr lang="en-US" altLang="ja-JP" dirty="0"/>
+              <a:t>SORA</a:t>
+            </a:r>
+            <a:r>
+              <a:rPr lang="ja-JP" altLang="en-US" dirty="0"/>
+              <a:t>のインターンで褒められたこ　とがきっかけ）</a:t>
+            </a:r>
+            <a:endParaRPr lang="en-US" altLang="ja-JP" dirty="0"/>
+          </a:p>
+          <a:p>
+            <a:pPr marL="0" indent="0">
+              <a:buNone/>
+            </a:pPr>
+            <a:r>
+              <a:rPr lang="ja-JP" altLang="en-US" dirty="0"/>
+              <a:t>　勇気がある（誰も知らないグループワーク）</a:t>
+            </a:r>
+            <a:endParaRPr lang="en-US" altLang="ja-JP" dirty="0"/>
+          </a:p>
+        </p:txBody>
+      </p:sp>
+    </p:spTree>
+    <p:extLst>
+      <p:ext uri="{BB962C8B-B14F-4D97-AF65-F5344CB8AC3E}">
+        <p14:creationId xmlns:p14="http://schemas.microsoft.com/office/powerpoint/2010/main" val="4048234704"/>
+      </p:ext>
+    </p:extLst>
+  </p:cSld>
+  <p:clrMapOvr>
+    <a:masterClrMapping/>
+  </p:clrMapOvr>
+</p:sld>
+</file>
+
+<file path=ppt/slides/slide46.xml><?xml version="1.0" encoding="utf-8"?>
+<p:sld xmlns:a="http://schemas.openxmlformats.org/drawingml/2006/main" xmlns:r="http://schemas.openxmlformats.org/officeDocument/2006/relationships" xmlns:p="http://schemas.openxmlformats.org/presentationml/2006/main">
+  <p:cSld>
+    <p:spTree>
+      <p:nvGrpSpPr>
+        <p:cNvPr id="1" name=""/>
+        <p:cNvGrpSpPr/>
+        <p:nvPr/>
+      </p:nvGrpSpPr>
+      <p:grpSpPr>
+        <a:xfrm>
+          <a:off x="0" y="0"/>
+          <a:ext cx="0" cy="0"/>
+          <a:chOff x="0" y="0"/>
+          <a:chExt cx="0" cy="0"/>
+        </a:xfrm>
+      </p:grpSpPr>
+      <p:sp>
+        <p:nvSpPr>
+          <p:cNvPr id="2" name="タイトル 1">
+            <a:extLst>
+              <a:ext uri="{FF2B5EF4-FFF2-40B4-BE49-F238E27FC236}">
+                <a16:creationId xmlns:a16="http://schemas.microsoft.com/office/drawing/2014/main" id="{2F396BE6-F814-4FF7-8FD3-C96C3CB0157C}"/>
+              </a:ext>
+            </a:extLst>
+          </p:cNvPr>
+          <p:cNvSpPr>
+            <a:spLocks noGrp="1"/>
+          </p:cNvSpPr>
+          <p:nvPr>
+            <p:ph type="title"/>
+          </p:nvPr>
+        </p:nvSpPr>
+        <p:spPr/>
+        <p:txBody>
+          <a:bodyPr>
+            <a:normAutofit/>
+          </a:bodyPr>
+          <a:lstStyle/>
+          <a:p>
+            <a:r>
+              <a:rPr kumimoji="1" lang="ja-JP" altLang="en-US" b="1" dirty="0"/>
+              <a:t>やりたいことを見つけるため</a:t>
+            </a:r>
+            <a:br>
+              <a:rPr kumimoji="1" lang="en-US" altLang="ja-JP" b="1" dirty="0"/>
+            </a:br>
+            <a:r>
+              <a:rPr kumimoji="1" lang="ja-JP" altLang="en-US" b="1" dirty="0"/>
+              <a:t>　　　　　　　　　　　（大事なこと）</a:t>
+            </a:r>
+            <a:endParaRPr kumimoji="1" lang="ja-JP" altLang="en-US" dirty="0"/>
+          </a:p>
+        </p:txBody>
+      </p:sp>
+      <p:sp>
+        <p:nvSpPr>
+          <p:cNvPr id="3" name="コンテンツ プレースホルダー 2">
+            <a:extLst>
+              <a:ext uri="{FF2B5EF4-FFF2-40B4-BE49-F238E27FC236}">
+                <a16:creationId xmlns:a16="http://schemas.microsoft.com/office/drawing/2014/main" id="{8B98A456-4171-4E4F-AA56-A54D79393399}"/>
+              </a:ext>
+            </a:extLst>
+          </p:cNvPr>
+          <p:cNvSpPr>
+            <a:spLocks noGrp="1"/>
+          </p:cNvSpPr>
+          <p:nvPr>
+            <p:ph idx="1"/>
+          </p:nvPr>
+        </p:nvSpPr>
+        <p:spPr/>
+        <p:txBody>
+          <a:bodyPr>
+            <a:normAutofit fontScale="77500" lnSpcReduction="20000"/>
+          </a:bodyPr>
+          <a:lstStyle/>
+          <a:p>
+            <a:r>
+              <a:rPr lang="ja-JP" altLang="en-US" dirty="0"/>
+              <a:t>大事なこと（就活の軸）</a:t>
+            </a:r>
+            <a:endParaRPr lang="en-US" altLang="ja-JP" dirty="0"/>
+          </a:p>
+          <a:p>
+            <a:pPr marL="0" indent="0">
+              <a:buNone/>
+            </a:pPr>
+            <a:r>
+              <a:rPr lang="ja-JP" altLang="en-US" b="1" dirty="0"/>
+              <a:t>　人に感謝、勇気、希望を与えるような仕事</a:t>
+            </a:r>
+            <a:endParaRPr lang="en-US" altLang="ja-JP" b="1" dirty="0"/>
+          </a:p>
+          <a:p>
+            <a:pPr marL="0" indent="0">
+              <a:buNone/>
+            </a:pPr>
+            <a:r>
+              <a:rPr lang="ja-JP" altLang="en-US" dirty="0"/>
+              <a:t>　女性と働きたい（モチベーションが上がる。）</a:t>
+            </a:r>
+            <a:endParaRPr lang="en-US" altLang="ja-JP" dirty="0"/>
+          </a:p>
+          <a:p>
+            <a:pPr marL="0" indent="0">
+              <a:buNone/>
+            </a:pPr>
+            <a:r>
+              <a:rPr lang="ja-JP" altLang="en-US" b="1" dirty="0"/>
+              <a:t>　職場の雰囲気（穏やか、まじめな所はまじめ</a:t>
+            </a:r>
+            <a:r>
+              <a:rPr lang="en-US" altLang="ja-JP" b="1" dirty="0"/>
+              <a:t>,</a:t>
+            </a:r>
+            <a:r>
+              <a:rPr lang="ja-JP" altLang="en-US" b="1" dirty="0"/>
+              <a:t>褒めるところは褒めてくれる。）</a:t>
+            </a:r>
+            <a:endParaRPr lang="en-US" altLang="ja-JP" b="1" dirty="0"/>
+          </a:p>
+          <a:p>
+            <a:pPr marL="0" indent="0">
+              <a:buNone/>
+            </a:pPr>
+            <a:r>
+              <a:rPr lang="ja-JP" altLang="en-US" dirty="0"/>
+              <a:t>　返信のリアクションをしっかりしている。（</a:t>
+            </a:r>
+            <a:r>
+              <a:rPr lang="en-US" altLang="ja-JP" dirty="0"/>
+              <a:t>Slack</a:t>
+            </a:r>
+            <a:r>
+              <a:rPr lang="ja-JP" altLang="en-US" dirty="0"/>
+              <a:t>）</a:t>
+            </a:r>
+            <a:endParaRPr lang="en-US" altLang="ja-JP" dirty="0"/>
+          </a:p>
+          <a:p>
+            <a:pPr marL="0" indent="0">
+              <a:buNone/>
+            </a:pPr>
+            <a:r>
+              <a:rPr lang="ja-JP" altLang="en-US" dirty="0"/>
+              <a:t>　上司と部下で連携（話し合い）が頻繫にできているか？</a:t>
+            </a:r>
+            <a:endParaRPr lang="en-US" altLang="ja-JP" dirty="0"/>
+          </a:p>
+          <a:p>
+            <a:pPr marL="0" indent="0">
+              <a:buNone/>
+            </a:pPr>
+            <a:r>
+              <a:rPr lang="ja-JP" altLang="en-US" b="1" dirty="0"/>
+              <a:t>　わからないところをわかりやすく説明しようとしてくれる</a:t>
+            </a:r>
+            <a:endParaRPr lang="en-US" altLang="ja-JP" b="1" dirty="0"/>
+          </a:p>
+          <a:p>
+            <a:pPr marL="0" indent="0">
+              <a:buNone/>
+            </a:pPr>
+            <a:r>
+              <a:rPr lang="ja-JP" altLang="en-US" b="1" dirty="0"/>
+              <a:t>　チーム開発（男女込み</a:t>
+            </a:r>
+            <a:r>
+              <a:rPr lang="en-US" altLang="ja-JP" b="1" dirty="0"/>
+              <a:t>=&gt;</a:t>
+            </a:r>
+            <a:r>
+              <a:rPr lang="ja-JP" altLang="en-US" b="1" dirty="0"/>
+              <a:t>毎日成果報告できる）</a:t>
+            </a:r>
+            <a:endParaRPr lang="en-US" altLang="ja-JP" b="1" dirty="0"/>
+          </a:p>
+          <a:p>
+            <a:pPr marL="0" indent="0">
+              <a:buNone/>
+            </a:pPr>
+            <a:r>
+              <a:rPr lang="ja-JP" altLang="en-US" dirty="0"/>
+              <a:t>　　</a:t>
+            </a:r>
+            <a:r>
+              <a:rPr lang="en-US" altLang="ja-JP" dirty="0"/>
+              <a:t>=&gt; </a:t>
+            </a:r>
+            <a:r>
+              <a:rPr lang="ja-JP" altLang="en-US" dirty="0"/>
+              <a:t>何度も聞いても、だからとかを言わない部分</a:t>
+            </a:r>
+            <a:endParaRPr lang="en-US" altLang="ja-JP" dirty="0"/>
+          </a:p>
+          <a:p>
+            <a:pPr marL="0" indent="0">
+              <a:buNone/>
+            </a:pPr>
+            <a:r>
+              <a:rPr lang="ja-JP" altLang="en-US" dirty="0"/>
+              <a:t>　　</a:t>
+            </a:r>
+            <a:r>
+              <a:rPr lang="en-US" altLang="ja-JP" dirty="0"/>
+              <a:t>=&gt; </a:t>
+            </a:r>
+            <a:r>
+              <a:rPr lang="ja-JP" altLang="en-US" dirty="0"/>
+              <a:t>心が広いかどうか</a:t>
+            </a:r>
+            <a:endParaRPr lang="en-US" altLang="ja-JP" dirty="0"/>
+          </a:p>
+          <a:p>
+            <a:pPr marL="0" indent="0">
+              <a:buNone/>
+            </a:pPr>
+            <a:r>
+              <a:rPr lang="ja-JP" altLang="en-US" dirty="0"/>
+              <a:t>　服装がラフ、給料そこそこ</a:t>
+            </a:r>
+            <a:endParaRPr lang="en-US" altLang="ja-JP" dirty="0"/>
+          </a:p>
+          <a:p>
+            <a:r>
+              <a:rPr lang="ja-JP" altLang="en-US" b="1" dirty="0"/>
+              <a:t>全工程に携さわれるか？</a:t>
+            </a:r>
+            <a:endParaRPr lang="en-US" altLang="ja-JP" b="1" dirty="0"/>
+          </a:p>
+          <a:p>
+            <a:endParaRPr kumimoji="1" lang="ja-JP" altLang="en-US" dirty="0"/>
+          </a:p>
+        </p:txBody>
+      </p:sp>
+    </p:spTree>
+    <p:extLst>
+      <p:ext uri="{BB962C8B-B14F-4D97-AF65-F5344CB8AC3E}">
+        <p14:creationId xmlns:p14="http://schemas.microsoft.com/office/powerpoint/2010/main" val="636851649"/>
+      </p:ext>
+    </p:extLst>
+  </p:cSld>
+  <p:clrMapOvr>
+    <a:masterClrMapping/>
+  </p:clrMapOvr>
+</p:sld>
+</file>
+
+<file path=ppt/slides/slide47.xml><?xml version="1.0" encoding="utf-8"?>
+<p:sld xmlns:a="http://schemas.openxmlformats.org/drawingml/2006/main" xmlns:r="http://schemas.openxmlformats.org/officeDocument/2006/relationships" xmlns:p="http://schemas.openxmlformats.org/presentationml/2006/main">
+  <p:cSld>
+    <p:spTree>
+      <p:nvGrpSpPr>
+        <p:cNvPr id="1" name=""/>
+        <p:cNvGrpSpPr/>
+        <p:nvPr/>
+      </p:nvGrpSpPr>
+      <p:grpSpPr>
+        <a:xfrm>
+          <a:off x="0" y="0"/>
+          <a:ext cx="0" cy="0"/>
+          <a:chOff x="0" y="0"/>
+          <a:chExt cx="0" cy="0"/>
+        </a:xfrm>
+      </p:grpSpPr>
+      <p:sp>
+        <p:nvSpPr>
+          <p:cNvPr id="2" name="タイトル 1">
+            <a:extLst>
+              <a:ext uri="{FF2B5EF4-FFF2-40B4-BE49-F238E27FC236}">
+                <a16:creationId xmlns:a16="http://schemas.microsoft.com/office/drawing/2014/main" id="{69F35480-2662-4934-A576-CA459FDC0775}"/>
+              </a:ext>
+            </a:extLst>
+          </p:cNvPr>
+          <p:cNvSpPr>
+            <a:spLocks noGrp="1"/>
+          </p:cNvSpPr>
+          <p:nvPr>
+            <p:ph type="title"/>
+          </p:nvPr>
+        </p:nvSpPr>
+        <p:spPr/>
+        <p:txBody>
+          <a:bodyPr/>
+          <a:lstStyle/>
+          <a:p>
+            <a:r>
+              <a:rPr kumimoji="1" lang="ja-JP" altLang="en-US" dirty="0"/>
+              <a:t>自己分析</a:t>
+            </a:r>
+          </a:p>
+        </p:txBody>
+      </p:sp>
+      <p:sp>
+        <p:nvSpPr>
+          <p:cNvPr id="3" name="コンテンツ プレースホルダー 2">
+            <a:extLst>
+              <a:ext uri="{FF2B5EF4-FFF2-40B4-BE49-F238E27FC236}">
+                <a16:creationId xmlns:a16="http://schemas.microsoft.com/office/drawing/2014/main" id="{9C0DF700-A660-42E4-A29A-839CEF7336C5}"/>
+              </a:ext>
+            </a:extLst>
+          </p:cNvPr>
+          <p:cNvSpPr>
+            <a:spLocks noGrp="1"/>
+          </p:cNvSpPr>
+          <p:nvPr>
+            <p:ph idx="1"/>
+          </p:nvPr>
+        </p:nvSpPr>
+        <p:spPr/>
+        <p:txBody>
+          <a:bodyPr>
+            <a:normAutofit lnSpcReduction="10000"/>
+          </a:bodyPr>
+          <a:lstStyle/>
+          <a:p>
+            <a:r>
+              <a:rPr kumimoji="1" lang="ja-JP" altLang="en-US" dirty="0"/>
+              <a:t>将来何をしていたい</a:t>
+            </a:r>
+            <a:endParaRPr kumimoji="1" lang="en-US" altLang="ja-JP" dirty="0"/>
+          </a:p>
+          <a:p>
+            <a:r>
+              <a:rPr lang="ja-JP" altLang="en-US" dirty="0"/>
+              <a:t>何で素直に将来バンドをやらない？</a:t>
+            </a:r>
+            <a:endParaRPr lang="en-US" altLang="ja-JP" dirty="0"/>
+          </a:p>
+          <a:p>
+            <a:r>
+              <a:rPr kumimoji="1" lang="ja-JP" altLang="en-US" dirty="0"/>
+              <a:t>人前で人を喜ばせることが好きだったのではないか？</a:t>
+            </a:r>
+            <a:endParaRPr kumimoji="1" lang="en-US" altLang="ja-JP" dirty="0"/>
+          </a:p>
+          <a:p>
+            <a:pPr marL="0" indent="0">
+              <a:buNone/>
+            </a:pPr>
+            <a:r>
+              <a:rPr lang="ja-JP" altLang="en-US" dirty="0"/>
+              <a:t>　あの時の幸福感を忘れていたか？</a:t>
+            </a:r>
+            <a:endParaRPr lang="en-US" altLang="ja-JP" dirty="0"/>
+          </a:p>
+          <a:p>
+            <a:r>
+              <a:rPr kumimoji="1" lang="ja-JP" altLang="en-US" dirty="0"/>
+              <a:t>中々自分の軸が決められない理由</a:t>
+            </a:r>
+            <a:endParaRPr kumimoji="1" lang="en-US" altLang="ja-JP" dirty="0"/>
+          </a:p>
+          <a:p>
+            <a:pPr marL="0" indent="0">
+              <a:buNone/>
+            </a:pPr>
+            <a:r>
+              <a:rPr lang="ja-JP" altLang="en-US" dirty="0"/>
+              <a:t>　選択肢が多すぎる、バンドをやりたいと思っている。</a:t>
+            </a:r>
+            <a:endParaRPr kumimoji="1" lang="en-US" altLang="ja-JP" dirty="0"/>
+          </a:p>
+          <a:p>
+            <a:endParaRPr kumimoji="1" lang="en-US" altLang="ja-JP" dirty="0"/>
+          </a:p>
+          <a:p>
+            <a:r>
+              <a:rPr kumimoji="1" lang="ja-JP" altLang="en-US" dirty="0"/>
+              <a:t>なぜ、今曲を作らないのか？</a:t>
+            </a:r>
+            <a:endParaRPr kumimoji="1" lang="en-US" altLang="ja-JP" dirty="0"/>
+          </a:p>
+          <a:p>
+            <a:pPr marL="0" indent="0">
+              <a:buNone/>
+            </a:pPr>
+            <a:r>
+              <a:rPr lang="ja-JP" altLang="en-US" dirty="0"/>
+              <a:t>　研究で時間が取れない。</a:t>
+            </a:r>
+            <a:endParaRPr kumimoji="1" lang="ja-JP" altLang="en-US" dirty="0"/>
+          </a:p>
+        </p:txBody>
+      </p:sp>
+    </p:spTree>
+    <p:extLst>
+      <p:ext uri="{BB962C8B-B14F-4D97-AF65-F5344CB8AC3E}">
+        <p14:creationId xmlns:p14="http://schemas.microsoft.com/office/powerpoint/2010/main" val="386838546"/>
+      </p:ext>
+    </p:extLst>
+  </p:cSld>
+  <p:clrMapOvr>
+    <a:masterClrMapping/>
+  </p:clrMapOvr>
+</p:sld>
+</file>
+
+<file path=ppt/slides/slide48.xml><?xml version="1.0" encoding="utf-8"?>
+<p:sld xmlns:a="http://schemas.openxmlformats.org/drawingml/2006/main" xmlns:r="http://schemas.openxmlformats.org/officeDocument/2006/relationships" xmlns:p="http://schemas.openxmlformats.org/presentationml/2006/main">
+  <p:cSld>
+    <p:spTree>
+      <p:nvGrpSpPr>
+        <p:cNvPr id="1" name=""/>
+        <p:cNvGrpSpPr/>
+        <p:nvPr/>
+      </p:nvGrpSpPr>
+      <p:grpSpPr>
+        <a:xfrm>
+          <a:off x="0" y="0"/>
+          <a:ext cx="0" cy="0"/>
+          <a:chOff x="0" y="0"/>
+          <a:chExt cx="0" cy="0"/>
+        </a:xfrm>
+      </p:grpSpPr>
+      <p:sp>
+        <p:nvSpPr>
+          <p:cNvPr id="2" name="タイトル 1">
+            <a:extLst>
+              <a:ext uri="{FF2B5EF4-FFF2-40B4-BE49-F238E27FC236}">
+                <a16:creationId xmlns:a16="http://schemas.microsoft.com/office/drawing/2014/main" id="{DADB41D4-2CA1-4B00-84F9-D47F42FD1B21}"/>
+              </a:ext>
+            </a:extLst>
+          </p:cNvPr>
+          <p:cNvSpPr>
+            <a:spLocks noGrp="1"/>
+          </p:cNvSpPr>
+          <p:nvPr>
+            <p:ph type="title"/>
+          </p:nvPr>
+        </p:nvSpPr>
+        <p:spPr/>
+        <p:txBody>
+          <a:bodyPr/>
+          <a:lstStyle/>
+          <a:p>
+            <a:r>
+              <a:rPr kumimoji="1" lang="ja-JP" altLang="en-US" b="1" dirty="0"/>
+              <a:t>やりたい職種</a:t>
+            </a:r>
+          </a:p>
+        </p:txBody>
+      </p:sp>
+      <p:sp>
+        <p:nvSpPr>
+          <p:cNvPr id="3" name="コンテンツ プレースホルダー 2">
+            <a:extLst>
+              <a:ext uri="{FF2B5EF4-FFF2-40B4-BE49-F238E27FC236}">
+                <a16:creationId xmlns:a16="http://schemas.microsoft.com/office/drawing/2014/main" id="{B4DDCAAB-A26F-4A5D-865E-3C980A8F6174}"/>
+              </a:ext>
+            </a:extLst>
+          </p:cNvPr>
+          <p:cNvSpPr>
+            <a:spLocks noGrp="1"/>
+          </p:cNvSpPr>
+          <p:nvPr>
+            <p:ph idx="1"/>
+          </p:nvPr>
+        </p:nvSpPr>
+        <p:spPr/>
+        <p:txBody>
+          <a:bodyPr/>
+          <a:lstStyle/>
+          <a:p>
+            <a:r>
+              <a:rPr kumimoji="1" lang="ja-JP" altLang="en-US" b="1" dirty="0"/>
+              <a:t>コンサルティングプログラマー</a:t>
+            </a:r>
+            <a:endParaRPr kumimoji="1" lang="en-US" altLang="ja-JP" b="1" dirty="0"/>
+          </a:p>
+          <a:p>
+            <a:pPr marL="0" indent="0">
+              <a:buNone/>
+            </a:pPr>
+            <a:r>
+              <a:rPr lang="ja-JP" altLang="en-US" dirty="0"/>
+              <a:t>　</a:t>
+            </a:r>
+            <a:r>
+              <a:rPr lang="en-US" altLang="ja-JP" dirty="0"/>
+              <a:t>=&gt; </a:t>
+            </a:r>
+            <a:r>
+              <a:rPr lang="ja-JP" altLang="en-US" dirty="0"/>
+              <a:t>相手の要望を直接し、プログラミングしていく。</a:t>
+            </a:r>
+            <a:endParaRPr lang="en-US" altLang="ja-JP" dirty="0"/>
+          </a:p>
+          <a:p>
+            <a:r>
+              <a:rPr lang="ja-JP" altLang="en-US" b="1" dirty="0"/>
+              <a:t>理系技術翻訳（制作助手）</a:t>
+            </a:r>
+            <a:endParaRPr lang="en-US" altLang="ja-JP" b="1" dirty="0"/>
+          </a:p>
+          <a:p>
+            <a:pPr marL="0" indent="0">
+              <a:buNone/>
+            </a:pPr>
+            <a:r>
+              <a:rPr lang="ja-JP" altLang="en-US" dirty="0"/>
+              <a:t>　</a:t>
+            </a:r>
+            <a:r>
+              <a:rPr lang="en-US" altLang="ja-JP" dirty="0"/>
+              <a:t>=&gt; </a:t>
+            </a:r>
+            <a:r>
+              <a:rPr lang="ja-JP" altLang="en-US" dirty="0"/>
+              <a:t>制作物をわかりやすく説明する能力（理系</a:t>
+            </a:r>
+            <a:r>
+              <a:rPr lang="en-US" altLang="ja-JP" dirty="0"/>
+              <a:t>=&gt; </a:t>
+            </a:r>
+            <a:r>
+              <a:rPr lang="ja-JP" altLang="en-US" dirty="0"/>
+              <a:t>文系）</a:t>
+            </a:r>
+            <a:endParaRPr lang="en-US" altLang="ja-JP" dirty="0"/>
+          </a:p>
+          <a:p>
+            <a:r>
+              <a:rPr kumimoji="1" lang="en-US" altLang="ja-JP" dirty="0"/>
+              <a:t>SE(</a:t>
+            </a:r>
+            <a:r>
+              <a:rPr lang="ja-JP" altLang="en-US" dirty="0"/>
+              <a:t>男女で顧客の要件を分析し、制作物につなげる</a:t>
+            </a:r>
+            <a:r>
+              <a:rPr kumimoji="1" lang="en-US" altLang="ja-JP" dirty="0"/>
+              <a:t>)</a:t>
+            </a:r>
+          </a:p>
+          <a:p>
+            <a:r>
+              <a:rPr lang="en-US" altLang="ja-JP" b="1" dirty="0"/>
+              <a:t>UAV</a:t>
+            </a:r>
+            <a:r>
+              <a:rPr lang="ja-JP" altLang="en-US" b="1" dirty="0"/>
+              <a:t>アート</a:t>
+            </a:r>
+            <a:endParaRPr kumimoji="1" lang="ja-JP" altLang="en-US" b="1" dirty="0"/>
+          </a:p>
+        </p:txBody>
+      </p:sp>
+    </p:spTree>
+    <p:extLst>
+      <p:ext uri="{BB962C8B-B14F-4D97-AF65-F5344CB8AC3E}">
+        <p14:creationId xmlns:p14="http://schemas.microsoft.com/office/powerpoint/2010/main" val="3662174103"/>
+      </p:ext>
+    </p:extLst>
+  </p:cSld>
+  <p:clrMapOvr>
+    <a:masterClrMapping/>
+  </p:clrMapOvr>
+</p:sld>
+</file>
+
+<file path=ppt/slides/slide49.xml><?xml version="1.0" encoding="utf-8"?>
+<p:sld xmlns:a="http://schemas.openxmlformats.org/drawingml/2006/main" xmlns:r="http://schemas.openxmlformats.org/officeDocument/2006/relationships" xmlns:p="http://schemas.openxmlformats.org/presentationml/2006/main">
+  <p:cSld>
+    <p:spTree>
+      <p:nvGrpSpPr>
+        <p:cNvPr id="1" name=""/>
+        <p:cNvGrpSpPr/>
+        <p:nvPr/>
+      </p:nvGrpSpPr>
+      <p:grpSpPr>
+        <a:xfrm>
+          <a:off x="0" y="0"/>
+          <a:ext cx="0" cy="0"/>
+          <a:chOff x="0" y="0"/>
+          <a:chExt cx="0" cy="0"/>
+        </a:xfrm>
+      </p:grpSpPr>
+      <p:sp>
+        <p:nvSpPr>
+          <p:cNvPr id="2" name="タイトル 1">
+            <a:extLst>
+              <a:ext uri="{FF2B5EF4-FFF2-40B4-BE49-F238E27FC236}">
+                <a16:creationId xmlns:a16="http://schemas.microsoft.com/office/drawing/2014/main" id="{4DFD8B94-CDA4-47C9-9261-B2EE56695FEC}"/>
+              </a:ext>
+            </a:extLst>
+          </p:cNvPr>
+          <p:cNvSpPr>
+            <a:spLocks noGrp="1"/>
+          </p:cNvSpPr>
+          <p:nvPr>
+            <p:ph type="title"/>
+          </p:nvPr>
+        </p:nvSpPr>
+        <p:spPr/>
+        <p:txBody>
+          <a:bodyPr/>
+          <a:lstStyle/>
+          <a:p>
+            <a:r>
+              <a:rPr kumimoji="1" lang="ja-JP" altLang="en-US" b="1" dirty="0"/>
+              <a:t>強み、弱み</a:t>
+            </a:r>
+          </a:p>
+        </p:txBody>
+      </p:sp>
+      <p:sp>
+        <p:nvSpPr>
+          <p:cNvPr id="3" name="コンテンツ プレースホルダー 2">
+            <a:extLst>
+              <a:ext uri="{FF2B5EF4-FFF2-40B4-BE49-F238E27FC236}">
+                <a16:creationId xmlns:a16="http://schemas.microsoft.com/office/drawing/2014/main" id="{D78F01A2-63A0-4130-9D49-AB705B2D47FE}"/>
+              </a:ext>
+            </a:extLst>
+          </p:cNvPr>
+          <p:cNvSpPr>
+            <a:spLocks noGrp="1"/>
+          </p:cNvSpPr>
+          <p:nvPr>
+            <p:ph idx="1"/>
+          </p:nvPr>
+        </p:nvSpPr>
+        <p:spPr/>
+        <p:txBody>
+          <a:bodyPr/>
+          <a:lstStyle/>
+          <a:p>
+            <a:r>
+              <a:rPr kumimoji="1" lang="ja-JP" altLang="en-US" b="1" dirty="0"/>
+              <a:t>強み</a:t>
+            </a:r>
+            <a:endParaRPr kumimoji="1" lang="en-US" altLang="ja-JP" b="1" dirty="0"/>
+          </a:p>
+          <a:p>
+            <a:pPr marL="0" indent="0">
+              <a:buNone/>
+            </a:pPr>
+            <a:r>
+              <a:rPr lang="ja-JP" altLang="en-US" dirty="0"/>
+              <a:t>　相手のレベルにあわせて説明する。</a:t>
+            </a:r>
+            <a:endParaRPr lang="en-US" altLang="ja-JP" dirty="0"/>
+          </a:p>
+          <a:p>
+            <a:pPr marL="0" indent="0">
+              <a:buNone/>
+            </a:pPr>
+            <a:r>
+              <a:rPr kumimoji="1" lang="ja-JP" altLang="en-US" dirty="0"/>
+              <a:t>　</a:t>
+            </a:r>
+            <a:r>
+              <a:rPr lang="ja-JP" altLang="en-US" dirty="0"/>
+              <a:t>行動力（人に聞きに行く）</a:t>
+            </a:r>
+            <a:endParaRPr lang="en-US" altLang="ja-JP" dirty="0"/>
+          </a:p>
+          <a:p>
+            <a:pPr marL="0" indent="0">
+              <a:buNone/>
+            </a:pPr>
+            <a:r>
+              <a:rPr lang="ja-JP" altLang="en-US"/>
+              <a:t>　話しやすい雰囲気を作るのが得意。</a:t>
+            </a:r>
+            <a:endParaRPr lang="en-US" altLang="ja-JP" dirty="0"/>
+          </a:p>
+          <a:p>
+            <a:r>
+              <a:rPr kumimoji="1" lang="ja-JP" altLang="en-US" b="1" dirty="0"/>
+              <a:t>弱み</a:t>
+            </a:r>
+            <a:endParaRPr kumimoji="1" lang="en-US" altLang="ja-JP" b="1" dirty="0"/>
+          </a:p>
+          <a:p>
+            <a:pPr marL="0" indent="0">
+              <a:buNone/>
+            </a:pPr>
+            <a:r>
+              <a:rPr lang="ja-JP" altLang="en-US" dirty="0"/>
+              <a:t>　行動するまでの時間が長い</a:t>
+            </a:r>
+            <a:endParaRPr lang="en-US" altLang="ja-JP" dirty="0"/>
+          </a:p>
+          <a:p>
+            <a:pPr marL="0" indent="0">
+              <a:buNone/>
+            </a:pPr>
+            <a:r>
+              <a:rPr kumimoji="1" lang="ja-JP" altLang="en-US" dirty="0"/>
+              <a:t>　タスク管理ができない（タスクの時間範囲）</a:t>
+            </a:r>
+            <a:endParaRPr kumimoji="1" lang="en-US" altLang="ja-JP" dirty="0"/>
+          </a:p>
+          <a:p>
+            <a:endParaRPr kumimoji="1" lang="ja-JP" altLang="en-US" dirty="0"/>
+          </a:p>
+        </p:txBody>
+      </p:sp>
+    </p:spTree>
+    <p:extLst>
+      <p:ext uri="{BB962C8B-B14F-4D97-AF65-F5344CB8AC3E}">
+        <p14:creationId xmlns:p14="http://schemas.microsoft.com/office/powerpoint/2010/main" val="4144319139"/>
       </p:ext>
     </p:extLst>
   </p:cSld>
@@ -8670,6 +10735,396 @@
     <p:extLst>
       <p:ext uri="{BB962C8B-B14F-4D97-AF65-F5344CB8AC3E}">
         <p14:creationId xmlns:p14="http://schemas.microsoft.com/office/powerpoint/2010/main" val="3685973444"/>
+      </p:ext>
+    </p:extLst>
+  </p:cSld>
+  <p:clrMapOvr>
+    <a:masterClrMapping/>
+  </p:clrMapOvr>
+</p:sld>
+</file>
+
+<file path=ppt/slides/slide50.xml><?xml version="1.0" encoding="utf-8"?>
+<p:sld xmlns:a="http://schemas.openxmlformats.org/drawingml/2006/main" xmlns:r="http://schemas.openxmlformats.org/officeDocument/2006/relationships" xmlns:p="http://schemas.openxmlformats.org/presentationml/2006/main">
+  <p:cSld>
+    <p:spTree>
+      <p:nvGrpSpPr>
+        <p:cNvPr id="1" name=""/>
+        <p:cNvGrpSpPr/>
+        <p:nvPr/>
+      </p:nvGrpSpPr>
+      <p:grpSpPr>
+        <a:xfrm>
+          <a:off x="0" y="0"/>
+          <a:ext cx="0" cy="0"/>
+          <a:chOff x="0" y="0"/>
+          <a:chExt cx="0" cy="0"/>
+        </a:xfrm>
+      </p:grpSpPr>
+      <p:sp>
+        <p:nvSpPr>
+          <p:cNvPr id="2" name="タイトル 1">
+            <a:extLst>
+              <a:ext uri="{FF2B5EF4-FFF2-40B4-BE49-F238E27FC236}">
+                <a16:creationId xmlns:a16="http://schemas.microsoft.com/office/drawing/2014/main" id="{7B2CB701-A9B0-42C5-93FF-77BF195F171F}"/>
+              </a:ext>
+            </a:extLst>
+          </p:cNvPr>
+          <p:cNvSpPr>
+            <a:spLocks noGrp="1"/>
+          </p:cNvSpPr>
+          <p:nvPr>
+            <p:ph type="title"/>
+          </p:nvPr>
+        </p:nvSpPr>
+        <p:spPr/>
+        <p:txBody>
+          <a:bodyPr/>
+          <a:lstStyle/>
+          <a:p>
+            <a:r>
+              <a:rPr lang="ja-JP" altLang="en-US" dirty="0"/>
+              <a:t>大手企業、中小企業、ベンチャー企業</a:t>
+            </a:r>
+            <a:endParaRPr kumimoji="1" lang="ja-JP" altLang="en-US" dirty="0"/>
+          </a:p>
+        </p:txBody>
+      </p:sp>
+      <p:sp>
+        <p:nvSpPr>
+          <p:cNvPr id="3" name="コンテンツ プレースホルダー 2">
+            <a:extLst>
+              <a:ext uri="{FF2B5EF4-FFF2-40B4-BE49-F238E27FC236}">
+                <a16:creationId xmlns:a16="http://schemas.microsoft.com/office/drawing/2014/main" id="{C4922BAE-4C8D-44FB-AC0D-0BA149265458}"/>
+              </a:ext>
+            </a:extLst>
+          </p:cNvPr>
+          <p:cNvSpPr>
+            <a:spLocks noGrp="1"/>
+          </p:cNvSpPr>
+          <p:nvPr>
+            <p:ph idx="1"/>
+          </p:nvPr>
+        </p:nvSpPr>
+        <p:spPr/>
+        <p:txBody>
+          <a:bodyPr>
+            <a:normAutofit fontScale="55000" lnSpcReduction="20000"/>
+          </a:bodyPr>
+          <a:lstStyle/>
+          <a:p>
+            <a:r>
+              <a:rPr kumimoji="1" lang="ja-JP" altLang="en-US" b="1" dirty="0"/>
+              <a:t>大手企業</a:t>
+            </a:r>
+            <a:endParaRPr kumimoji="1" lang="en-US" altLang="ja-JP" b="1" dirty="0"/>
+          </a:p>
+          <a:p>
+            <a:pPr marL="0" indent="0">
+              <a:buNone/>
+            </a:pPr>
+            <a:r>
+              <a:rPr lang="ja-JP" altLang="en-US" dirty="0"/>
+              <a:t>　</a:t>
+            </a:r>
+            <a:r>
+              <a:rPr lang="ja-JP" altLang="en-US" b="1" dirty="0"/>
+              <a:t>メリット：</a:t>
+            </a:r>
+            <a:endParaRPr kumimoji="1" lang="en-US" altLang="ja-JP" b="1" dirty="0"/>
+          </a:p>
+          <a:p>
+            <a:pPr marL="0" indent="0">
+              <a:buNone/>
+            </a:pPr>
+            <a:r>
+              <a:rPr lang="ja-JP" altLang="en-US" dirty="0"/>
+              <a:t>　　安定、教育制度がしっかりしている、給料がいい。同期がいる（モチベーションアップ）</a:t>
+            </a:r>
+            <a:endParaRPr lang="en-US" altLang="ja-JP" dirty="0"/>
+          </a:p>
+          <a:p>
+            <a:pPr marL="0" indent="0">
+              <a:buNone/>
+            </a:pPr>
+            <a:r>
+              <a:rPr lang="ja-JP" altLang="en-US" dirty="0"/>
+              <a:t>　</a:t>
+            </a:r>
+            <a:r>
+              <a:rPr lang="ja-JP" altLang="en-US" b="1" dirty="0"/>
+              <a:t>デメリット：</a:t>
+            </a:r>
+            <a:endParaRPr lang="en-US" altLang="ja-JP" b="1" dirty="0"/>
+          </a:p>
+          <a:p>
+            <a:pPr marL="0" indent="0">
+              <a:buNone/>
+            </a:pPr>
+            <a:r>
+              <a:rPr lang="ja-JP" altLang="en-US" dirty="0"/>
+              <a:t>　　全作業に携われない　同期との競争があること。　縦とのつながりが薄い。</a:t>
+            </a:r>
+            <a:endParaRPr lang="en-US" altLang="ja-JP" dirty="0"/>
+          </a:p>
+          <a:p>
+            <a:r>
+              <a:rPr lang="ja-JP" altLang="en-US" b="1" dirty="0"/>
+              <a:t>中小企業</a:t>
+            </a:r>
+            <a:endParaRPr lang="en-US" altLang="ja-JP" b="1" dirty="0"/>
+          </a:p>
+          <a:p>
+            <a:pPr marL="0" indent="0">
+              <a:buNone/>
+            </a:pPr>
+            <a:r>
+              <a:rPr lang="ja-JP" altLang="en-US" dirty="0"/>
+              <a:t>　</a:t>
+            </a:r>
+            <a:r>
+              <a:rPr lang="ja-JP" altLang="en-US" b="1" dirty="0"/>
+              <a:t>メリット：</a:t>
+            </a:r>
+            <a:endParaRPr lang="en-US" altLang="ja-JP" b="1" dirty="0"/>
+          </a:p>
+          <a:p>
+            <a:pPr marL="0" indent="0">
+              <a:buNone/>
+            </a:pPr>
+            <a:r>
+              <a:rPr lang="ja-JP" altLang="en-US" dirty="0"/>
+              <a:t>　　すべての作業に携われる。頭を使わなくていい。</a:t>
+            </a:r>
+            <a:endParaRPr lang="en-US" altLang="ja-JP" dirty="0"/>
+          </a:p>
+          <a:p>
+            <a:pPr marL="0" indent="0">
+              <a:buNone/>
+            </a:pPr>
+            <a:r>
+              <a:rPr lang="ja-JP" altLang="en-US" dirty="0"/>
+              <a:t>　</a:t>
+            </a:r>
+            <a:r>
+              <a:rPr lang="ja-JP" altLang="en-US" b="1" dirty="0"/>
+              <a:t>デメリット：</a:t>
+            </a:r>
+            <a:endParaRPr lang="en-US" altLang="ja-JP" b="1" dirty="0"/>
+          </a:p>
+          <a:p>
+            <a:pPr marL="0" indent="0">
+              <a:buNone/>
+            </a:pPr>
+            <a:r>
+              <a:rPr lang="ja-JP" altLang="en-US" dirty="0"/>
+              <a:t>　　同期の人数が少ない　給料が安い、基本的に仕事が下うけ</a:t>
+            </a:r>
+            <a:endParaRPr lang="en-US" altLang="ja-JP" dirty="0"/>
+          </a:p>
+          <a:p>
+            <a:r>
+              <a:rPr lang="ja-JP" altLang="en-US" b="1" dirty="0"/>
+              <a:t>ベンチャー企業　</a:t>
+            </a:r>
+            <a:endParaRPr lang="en-US" altLang="ja-JP" b="1" dirty="0"/>
+          </a:p>
+          <a:p>
+            <a:pPr marL="0" indent="0">
+              <a:buNone/>
+            </a:pPr>
+            <a:r>
+              <a:rPr lang="ja-JP" altLang="en-US" b="1" dirty="0"/>
+              <a:t>　メリット：</a:t>
+            </a:r>
+            <a:endParaRPr lang="en-US" altLang="ja-JP" b="1" dirty="0"/>
+          </a:p>
+          <a:p>
+            <a:pPr marL="0" indent="0">
+              <a:buNone/>
+            </a:pPr>
+            <a:r>
+              <a:rPr lang="ja-JP" altLang="en-US" b="1" dirty="0"/>
+              <a:t>　</a:t>
+            </a:r>
+            <a:r>
+              <a:rPr lang="ja-JP" altLang="en-US" dirty="0"/>
+              <a:t>コアタイムがない、縦との関係性が近い、一からものずくりできる、確実なスキルアップできる</a:t>
+            </a:r>
+            <a:endParaRPr lang="en-US" altLang="ja-JP" b="1" dirty="0"/>
+          </a:p>
+          <a:p>
+            <a:pPr marL="0" indent="0">
+              <a:buNone/>
+            </a:pPr>
+            <a:r>
+              <a:rPr lang="ja-JP" altLang="en-US" b="1"/>
+              <a:t>　デメリット：</a:t>
+            </a:r>
+            <a:endParaRPr lang="en-US" altLang="ja-JP" b="1" dirty="0"/>
+          </a:p>
+          <a:p>
+            <a:pPr marL="0" indent="0">
+              <a:buNone/>
+            </a:pPr>
+            <a:r>
+              <a:rPr lang="ja-JP" altLang="en-US" dirty="0"/>
+              <a:t>　同期がいない、自分で全て自主的にやる必要がある、研修なし、給料がなぞ、睡眠時間</a:t>
+            </a:r>
+            <a:r>
+              <a:rPr lang="en-US" altLang="ja-JP" dirty="0"/>
+              <a:t>3</a:t>
+            </a:r>
+            <a:r>
+              <a:rPr lang="ja-JP" altLang="en-US" dirty="0"/>
+              <a:t>時間</a:t>
+            </a:r>
+            <a:endParaRPr lang="en-US" altLang="ja-JP" dirty="0"/>
+          </a:p>
+          <a:p>
+            <a:endParaRPr kumimoji="1" lang="ja-JP" altLang="en-US" dirty="0"/>
+          </a:p>
+        </p:txBody>
+      </p:sp>
+    </p:spTree>
+    <p:extLst>
+      <p:ext uri="{BB962C8B-B14F-4D97-AF65-F5344CB8AC3E}">
+        <p14:creationId xmlns:p14="http://schemas.microsoft.com/office/powerpoint/2010/main" val="2647323602"/>
+      </p:ext>
+    </p:extLst>
+  </p:cSld>
+  <p:clrMapOvr>
+    <a:masterClrMapping/>
+  </p:clrMapOvr>
+</p:sld>
+</file>
+
+<file path=ppt/slides/slide51.xml><?xml version="1.0" encoding="utf-8"?>
+<p:sld xmlns:a="http://schemas.openxmlformats.org/drawingml/2006/main" xmlns:r="http://schemas.openxmlformats.org/officeDocument/2006/relationships" xmlns:p="http://schemas.openxmlformats.org/presentationml/2006/main">
+  <p:cSld>
+    <p:spTree>
+      <p:nvGrpSpPr>
+        <p:cNvPr id="1" name=""/>
+        <p:cNvGrpSpPr/>
+        <p:nvPr/>
+      </p:nvGrpSpPr>
+      <p:grpSpPr>
+        <a:xfrm>
+          <a:off x="0" y="0"/>
+          <a:ext cx="0" cy="0"/>
+          <a:chOff x="0" y="0"/>
+          <a:chExt cx="0" cy="0"/>
+        </a:xfrm>
+      </p:grpSpPr>
+      <p:sp>
+        <p:nvSpPr>
+          <p:cNvPr id="2" name="タイトル 1">
+            <a:extLst>
+              <a:ext uri="{FF2B5EF4-FFF2-40B4-BE49-F238E27FC236}">
+                <a16:creationId xmlns:a16="http://schemas.microsoft.com/office/drawing/2014/main" id="{98FFB618-D790-47AF-A8EC-EDEF21FA6A68}"/>
+              </a:ext>
+            </a:extLst>
+          </p:cNvPr>
+          <p:cNvSpPr>
+            <a:spLocks noGrp="1"/>
+          </p:cNvSpPr>
+          <p:nvPr>
+            <p:ph type="title"/>
+          </p:nvPr>
+        </p:nvSpPr>
+        <p:spPr/>
+        <p:txBody>
+          <a:bodyPr/>
+          <a:lstStyle/>
+          <a:p>
+            <a:r>
+              <a:rPr kumimoji="1" lang="ja-JP" altLang="en-US" dirty="0"/>
+              <a:t>行きたい会社に関して</a:t>
+            </a:r>
+          </a:p>
+        </p:txBody>
+      </p:sp>
+      <p:sp>
+        <p:nvSpPr>
+          <p:cNvPr id="3" name="コンテンツ プレースホルダー 2">
+            <a:extLst>
+              <a:ext uri="{FF2B5EF4-FFF2-40B4-BE49-F238E27FC236}">
+                <a16:creationId xmlns:a16="http://schemas.microsoft.com/office/drawing/2014/main" id="{CA4CAC2B-7BB0-4F56-A95C-546CD0B0DA05}"/>
+              </a:ext>
+            </a:extLst>
+          </p:cNvPr>
+          <p:cNvSpPr>
+            <a:spLocks noGrp="1"/>
+          </p:cNvSpPr>
+          <p:nvPr>
+            <p:ph idx="1"/>
+          </p:nvPr>
+        </p:nvSpPr>
+        <p:spPr/>
+        <p:txBody>
+          <a:bodyPr/>
+          <a:lstStyle/>
+          <a:p>
+            <a:r>
+              <a:rPr kumimoji="1" lang="en-US" altLang="ja-JP" dirty="0" err="1"/>
+              <a:t>Alche</a:t>
+            </a:r>
+            <a:r>
+              <a:rPr kumimoji="1" lang="ja-JP" altLang="en-US" dirty="0"/>
+              <a:t>株式会社（デジタルアートでヒット）</a:t>
+            </a:r>
+            <a:endParaRPr kumimoji="1" lang="en-US" altLang="ja-JP" dirty="0"/>
+          </a:p>
+          <a:p>
+            <a:r>
+              <a:rPr lang="ja-JP" altLang="en-US" dirty="0"/>
+              <a:t>チームラボ株式会社</a:t>
+            </a:r>
+            <a:endParaRPr lang="en-US" altLang="ja-JP" dirty="0"/>
+          </a:p>
+          <a:p>
+            <a:r>
+              <a:rPr kumimoji="1" lang="en-US" altLang="ja-JP" dirty="0"/>
+              <a:t>ALSOCK</a:t>
+            </a:r>
+          </a:p>
+          <a:p>
+            <a:r>
+              <a:rPr kumimoji="1" lang="ja-JP" altLang="en-US" dirty="0"/>
+              <a:t>三菱電機株式会社（姫電）</a:t>
+            </a:r>
+            <a:endParaRPr kumimoji="1" lang="en-US" altLang="ja-JP" dirty="0"/>
+          </a:p>
+          <a:p>
+            <a:pPr marL="0" indent="0">
+              <a:buNone/>
+            </a:pPr>
+            <a:r>
+              <a:rPr lang="ja-JP" altLang="en-US" dirty="0"/>
+              <a:t>行きたい会社理由</a:t>
+            </a:r>
+            <a:endParaRPr lang="en-US" altLang="ja-JP" dirty="0"/>
+          </a:p>
+          <a:p>
+            <a:pPr marL="0" indent="0">
+              <a:buNone/>
+            </a:pPr>
+            <a:r>
+              <a:rPr kumimoji="1" lang="ja-JP" altLang="en-US" dirty="0"/>
+              <a:t>　就活の軸に二つヒットしたものがあれば</a:t>
+            </a:r>
+            <a:r>
+              <a:rPr kumimoji="1" lang="en-US" altLang="ja-JP"/>
+              <a:t>OK</a:t>
+            </a:r>
+            <a:endParaRPr kumimoji="1" lang="ja-JP" altLang="en-US" dirty="0"/>
+          </a:p>
+        </p:txBody>
+      </p:sp>
+    </p:spTree>
+    <p:extLst>
+      <p:ext uri="{BB962C8B-B14F-4D97-AF65-F5344CB8AC3E}">
+        <p14:creationId xmlns:p14="http://schemas.microsoft.com/office/powerpoint/2010/main" val="775153874"/>
       </p:ext>
     </p:extLst>
   </p:cSld>
